--- a/Angol/Places to live_CsZ_GG.pptx
+++ b/Angol/Places to live_CsZ_GG.pptx
@@ -609,7 +609,7 @@
           <a:p>
             <a:fld id="{72345051-2045-45DA-935E-2E3CA1A69ADC}" type="datetimeFigureOut">
               <a:rPr lang="en-US" smtClean="0"/>
-              <a:t>12/20/2023</a:t>
+              <a:t>3/12/2024</a:t>
             </a:fld>
             <a:endParaRPr lang="en-US" dirty="0"/>
           </a:p>
@@ -807,7 +807,7 @@
           <a:p>
             <a:fld id="{72345051-2045-45DA-935E-2E3CA1A69ADC}" type="datetimeFigureOut">
               <a:rPr lang="en-US" smtClean="0"/>
-              <a:t>12/20/2023</a:t>
+              <a:t>3/12/2024</a:t>
             </a:fld>
             <a:endParaRPr lang="en-US"/>
           </a:p>
@@ -1015,7 +1015,7 @@
           <a:p>
             <a:fld id="{72345051-2045-45DA-935E-2E3CA1A69ADC}" type="datetimeFigureOut">
               <a:rPr lang="en-US" smtClean="0"/>
-              <a:t>12/20/2023</a:t>
+              <a:t>3/12/2024</a:t>
             </a:fld>
             <a:endParaRPr lang="en-US"/>
           </a:p>
@@ -1237,7 +1237,7 @@
           <a:p>
             <a:fld id="{72345051-2045-45DA-935E-2E3CA1A69ADC}" type="datetimeFigureOut">
               <a:rPr lang="en-US" smtClean="0"/>
-              <a:t>12/20/2023</a:t>
+              <a:t>3/12/2024</a:t>
             </a:fld>
             <a:endParaRPr lang="en-US"/>
           </a:p>
@@ -2148,7 +2148,7 @@
           <a:p>
             <a:fld id="{72345051-2045-45DA-935E-2E3CA1A69ADC}" type="datetimeFigureOut">
               <a:rPr lang="en-US" smtClean="0"/>
-              <a:t>12/20/2023</a:t>
+              <a:t>3/12/2024</a:t>
             </a:fld>
             <a:endParaRPr lang="en-US"/>
           </a:p>
@@ -2751,7 +2751,7 @@
           <a:p>
             <a:fld id="{72345051-2045-45DA-935E-2E3CA1A69ADC}" type="datetimeFigureOut">
               <a:rPr lang="en-US" smtClean="0"/>
-              <a:t>12/20/2023</a:t>
+              <a:t>3/12/2024</a:t>
             </a:fld>
             <a:endParaRPr lang="en-US"/>
           </a:p>
@@ -3799,7 +3799,7 @@
           <a:p>
             <a:fld id="{72345051-2045-45DA-935E-2E3CA1A69ADC}" type="datetimeFigureOut">
               <a:rPr lang="en-US" smtClean="0"/>
-              <a:t>12/20/2023</a:t>
+              <a:t>3/12/2024</a:t>
             </a:fld>
             <a:endParaRPr lang="en-US"/>
           </a:p>
@@ -4583,7 +4583,7 @@
           <a:p>
             <a:fld id="{72345051-2045-45DA-935E-2E3CA1A69ADC}" type="datetimeFigureOut">
               <a:rPr lang="en-US" smtClean="0"/>
-              <a:t>12/20/2023</a:t>
+              <a:t>3/12/2024</a:t>
             </a:fld>
             <a:endParaRPr lang="en-US"/>
           </a:p>
@@ -5032,7 +5032,7 @@
           <a:p>
             <a:fld id="{72345051-2045-45DA-935E-2E3CA1A69ADC}" type="datetimeFigureOut">
               <a:rPr lang="en-US" smtClean="0"/>
-              <a:t>12/20/2023</a:t>
+              <a:t>3/12/2024</a:t>
             </a:fld>
             <a:endParaRPr lang="en-US"/>
           </a:p>
@@ -5349,7 +5349,7 @@
           <a:p>
             <a:fld id="{72345051-2045-45DA-935E-2E3CA1A69ADC}" type="datetimeFigureOut">
               <a:rPr lang="en-US" smtClean="0"/>
-              <a:t>12/20/2023</a:t>
+              <a:t>3/12/2024</a:t>
             </a:fld>
             <a:endParaRPr lang="en-US"/>
           </a:p>
@@ -5977,7 +5977,7 @@
           <a:p>
             <a:fld id="{72345051-2045-45DA-935E-2E3CA1A69ADC}" type="datetimeFigureOut">
               <a:rPr lang="en-US" smtClean="0"/>
-              <a:t>12/20/2023</a:t>
+              <a:t>3/12/2024</a:t>
             </a:fld>
             <a:endParaRPr lang="en-US"/>
           </a:p>
@@ -6572,7 +6572,7 @@
           <a:p>
             <a:fld id="{72345051-2045-45DA-935E-2E3CA1A69ADC}" type="datetimeFigureOut">
               <a:rPr lang="en-US" smtClean="0"/>
-              <a:t>12/20/2023</a:t>
+              <a:t>3/12/2024</a:t>
             </a:fld>
             <a:endParaRPr lang="en-US" dirty="0"/>
           </a:p>
@@ -9689,21 +9689,21 @@
                 <a:latin typeface="Calibri" panose="020F0502020204030204" pitchFamily="34" charset="0"/>
                 <a:cs typeface="Calibri" panose="020F0502020204030204" pitchFamily="34" charset="0"/>
               </a:rPr>
-              <a:t> of </a:t>
-            </a:r>
-            <a:r>
-              <a:rPr lang="hu-HU" sz="6000" dirty="0" err="1">
+              <a:t> of li</a:t>
+            </a:r>
+            <a:r>
+              <a:rPr lang="en-GB" sz="6000" dirty="0">
                 <a:latin typeface="Calibri" panose="020F0502020204030204" pitchFamily="34" charset="0"/>
                 <a:cs typeface="Calibri" panose="020F0502020204030204" pitchFamily="34" charset="0"/>
               </a:rPr>
-              <a:t>live</a:t>
+              <a:t>f</a:t>
             </a:r>
             <a:r>
               <a:rPr lang="hu-HU" sz="6000" dirty="0">
                 <a:latin typeface="Calibri" panose="020F0502020204030204" pitchFamily="34" charset="0"/>
                 <a:cs typeface="Calibri" panose="020F0502020204030204" pitchFamily="34" charset="0"/>
               </a:rPr>
-              <a:t> in </a:t>
+              <a:t>e in </a:t>
             </a:r>
             <a:r>
               <a:rPr lang="hu-HU" sz="6000" dirty="0" err="1">
@@ -10844,13 +10844,41 @@
               </a:lnSpc>
             </a:pPr>
             <a:r>
-              <a:rPr lang="hu-HU" sz="6100">
+              <a:rPr lang="hu-HU" sz="6100" dirty="0" err="1">
                 <a:latin typeface="Calibri" panose="020F0502020204030204" pitchFamily="34" charset="0"/>
                 <a:cs typeface="Calibri" panose="020F0502020204030204" pitchFamily="34" charset="0"/>
               </a:rPr>
-              <a:t>Quality of live in villages</a:t>
-            </a:r>
-            <a:endParaRPr lang="en-GB" sz="6100">
+              <a:t>Quality</a:t>
+            </a:r>
+            <a:r>
+              <a:rPr lang="hu-HU" sz="6100" dirty="0">
+                <a:latin typeface="Calibri" panose="020F0502020204030204" pitchFamily="34" charset="0"/>
+                <a:cs typeface="Calibri" panose="020F0502020204030204" pitchFamily="34" charset="0"/>
+              </a:rPr>
+              <a:t> of li</a:t>
+            </a:r>
+            <a:r>
+              <a:rPr lang="en-GB" sz="6100" dirty="0">
+                <a:latin typeface="Calibri" panose="020F0502020204030204" pitchFamily="34" charset="0"/>
+                <a:cs typeface="Calibri" panose="020F0502020204030204" pitchFamily="34" charset="0"/>
+              </a:rPr>
+              <a:t>f</a:t>
+            </a:r>
+            <a:r>
+              <a:rPr lang="hu-HU" sz="6100" dirty="0">
+                <a:latin typeface="Calibri" panose="020F0502020204030204" pitchFamily="34" charset="0"/>
+                <a:cs typeface="Calibri" panose="020F0502020204030204" pitchFamily="34" charset="0"/>
+              </a:rPr>
+              <a:t>e in </a:t>
+            </a:r>
+            <a:r>
+              <a:rPr lang="hu-HU" sz="6100" dirty="0" err="1">
+                <a:latin typeface="Calibri" panose="020F0502020204030204" pitchFamily="34" charset="0"/>
+                <a:cs typeface="Calibri" panose="020F0502020204030204" pitchFamily="34" charset="0"/>
+              </a:rPr>
+              <a:t>villages</a:t>
+            </a:r>
+            <a:endParaRPr lang="en-GB" sz="6100" dirty="0">
               <a:latin typeface="Calibri" panose="020F0502020204030204" pitchFamily="34" charset="0"/>
               <a:cs typeface="Calibri" panose="020F0502020204030204" pitchFamily="34" charset="0"/>
             </a:endParaRPr>
@@ -14416,7 +14444,21 @@
                 <a:latin typeface="Calibri" panose="020F0502020204030204" pitchFamily="34" charset="0"/>
                 <a:cs typeface="Calibri" panose="020F0502020204030204" pitchFamily="34" charset="0"/>
               </a:rPr>
-              <a:t>Healtcare</a:t>
+              <a:t>Healt</a:t>
+            </a:r>
+            <a:r>
+              <a:rPr lang="en-GB" sz="2400" dirty="0">
+                <a:latin typeface="Calibri" panose="020F0502020204030204" pitchFamily="34" charset="0"/>
+                <a:cs typeface="Calibri" panose="020F0502020204030204" pitchFamily="34" charset="0"/>
+              </a:rPr>
+              <a:t>h</a:t>
+            </a:r>
+            <a:r>
+              <a:rPr lang="hu-HU" sz="2400" dirty="0" err="1">
+                <a:latin typeface="Calibri" panose="020F0502020204030204" pitchFamily="34" charset="0"/>
+                <a:cs typeface="Calibri" panose="020F0502020204030204" pitchFamily="34" charset="0"/>
+              </a:rPr>
+              <a:t>care</a:t>
             </a:r>
             <a:r>
               <a:rPr lang="hu-HU" sz="2400" dirty="0">

--- a/Angol/Places to live_CsZ_GG.pptx
+++ b/Angol/Places to live_CsZ_GG.pptx
@@ -5,16 +5,12 @@
     <p:sldMasterId id="2147483801" r:id="rId1"/>
   </p:sldMasterIdLst>
   <p:sldIdLst>
-    <p:sldId id="256" r:id="rId2"/>
-    <p:sldId id="264" r:id="rId3"/>
-    <p:sldId id="265" r:id="rId4"/>
-    <p:sldId id="266" r:id="rId5"/>
-    <p:sldId id="270" r:id="rId6"/>
-    <p:sldId id="271" r:id="rId7"/>
-    <p:sldId id="272" r:id="rId8"/>
-    <p:sldId id="273" r:id="rId9"/>
-    <p:sldId id="263" r:id="rId10"/>
-    <p:sldId id="267" r:id="rId11"/>
+    <p:sldId id="265" r:id="rId2"/>
+    <p:sldId id="266" r:id="rId3"/>
+    <p:sldId id="270" r:id="rId4"/>
+    <p:sldId id="271" r:id="rId5"/>
+    <p:sldId id="272" r:id="rId6"/>
+    <p:sldId id="273" r:id="rId7"/>
   </p:sldIdLst>
   <p:sldSz cx="12192000" cy="6858000"/>
   <p:notesSz cx="6858000" cy="9144000"/>
@@ -609,7 +605,7 @@
           <a:p>
             <a:fld id="{72345051-2045-45DA-935E-2E3CA1A69ADC}" type="datetimeFigureOut">
               <a:rPr lang="en-US" smtClean="0"/>
-              <a:t>3/12/2024</a:t>
+              <a:t>6/13/2024</a:t>
             </a:fld>
             <a:endParaRPr lang="en-US" dirty="0"/>
           </a:p>
@@ -807,7 +803,7 @@
           <a:p>
             <a:fld id="{72345051-2045-45DA-935E-2E3CA1A69ADC}" type="datetimeFigureOut">
               <a:rPr lang="en-US" smtClean="0"/>
-              <a:t>3/12/2024</a:t>
+              <a:t>6/13/2024</a:t>
             </a:fld>
             <a:endParaRPr lang="en-US"/>
           </a:p>
@@ -1015,7 +1011,7 @@
           <a:p>
             <a:fld id="{72345051-2045-45DA-935E-2E3CA1A69ADC}" type="datetimeFigureOut">
               <a:rPr lang="en-US" smtClean="0"/>
-              <a:t>3/12/2024</a:t>
+              <a:t>6/13/2024</a:t>
             </a:fld>
             <a:endParaRPr lang="en-US"/>
           </a:p>
@@ -1237,7 +1233,7 @@
           <a:p>
             <a:fld id="{72345051-2045-45DA-935E-2E3CA1A69ADC}" type="datetimeFigureOut">
               <a:rPr lang="en-US" smtClean="0"/>
-              <a:t>3/12/2024</a:t>
+              <a:t>6/13/2024</a:t>
             </a:fld>
             <a:endParaRPr lang="en-US"/>
           </a:p>
@@ -2148,7 +2144,7 @@
           <a:p>
             <a:fld id="{72345051-2045-45DA-935E-2E3CA1A69ADC}" type="datetimeFigureOut">
               <a:rPr lang="en-US" smtClean="0"/>
-              <a:t>3/12/2024</a:t>
+              <a:t>6/13/2024</a:t>
             </a:fld>
             <a:endParaRPr lang="en-US"/>
           </a:p>
@@ -2751,7 +2747,7 @@
           <a:p>
             <a:fld id="{72345051-2045-45DA-935E-2E3CA1A69ADC}" type="datetimeFigureOut">
               <a:rPr lang="en-US" smtClean="0"/>
-              <a:t>3/12/2024</a:t>
+              <a:t>6/13/2024</a:t>
             </a:fld>
             <a:endParaRPr lang="en-US"/>
           </a:p>
@@ -3799,7 +3795,7 @@
           <a:p>
             <a:fld id="{72345051-2045-45DA-935E-2E3CA1A69ADC}" type="datetimeFigureOut">
               <a:rPr lang="en-US" smtClean="0"/>
-              <a:t>3/12/2024</a:t>
+              <a:t>6/13/2024</a:t>
             </a:fld>
             <a:endParaRPr lang="en-US"/>
           </a:p>
@@ -4583,7 +4579,7 @@
           <a:p>
             <a:fld id="{72345051-2045-45DA-935E-2E3CA1A69ADC}" type="datetimeFigureOut">
               <a:rPr lang="en-US" smtClean="0"/>
-              <a:t>3/12/2024</a:t>
+              <a:t>6/13/2024</a:t>
             </a:fld>
             <a:endParaRPr lang="en-US"/>
           </a:p>
@@ -5032,7 +5028,7 @@
           <a:p>
             <a:fld id="{72345051-2045-45DA-935E-2E3CA1A69ADC}" type="datetimeFigureOut">
               <a:rPr lang="en-US" smtClean="0"/>
-              <a:t>3/12/2024</a:t>
+              <a:t>6/13/2024</a:t>
             </a:fld>
             <a:endParaRPr lang="en-US"/>
           </a:p>
@@ -5349,7 +5345,7 @@
           <a:p>
             <a:fld id="{72345051-2045-45DA-935E-2E3CA1A69ADC}" type="datetimeFigureOut">
               <a:rPr lang="en-US" smtClean="0"/>
-              <a:t>3/12/2024</a:t>
+              <a:t>6/13/2024</a:t>
             </a:fld>
             <a:endParaRPr lang="en-US"/>
           </a:p>
@@ -5977,7 +5973,7 @@
           <a:p>
             <a:fld id="{72345051-2045-45DA-935E-2E3CA1A69ADC}" type="datetimeFigureOut">
               <a:rPr lang="en-US" smtClean="0"/>
-              <a:t>3/12/2024</a:t>
+              <a:t>6/13/2024</a:t>
             </a:fld>
             <a:endParaRPr lang="en-US"/>
           </a:p>
@@ -6572,7 +6568,7 @@
           <a:p>
             <a:fld id="{72345051-2045-45DA-935E-2E3CA1A69ADC}" type="datetimeFigureOut">
               <a:rPr lang="en-US" smtClean="0"/>
-              <a:t>3/12/2024</a:t>
+              <a:t>6/13/2024</a:t>
             </a:fld>
             <a:endParaRPr lang="en-US" dirty="0"/>
           </a:p>
@@ -6973,2598 +6969,6 @@
 </file>
 
 <file path=ppt/slides/slide1.xml><?xml version="1.0" encoding="utf-8"?>
-<p:sld xmlns:a="http://schemas.openxmlformats.org/drawingml/2006/main" xmlns:r="http://schemas.openxmlformats.org/officeDocument/2006/relationships" xmlns:p="http://schemas.openxmlformats.org/presentationml/2006/main">
-  <p:cSld>
-    <p:spTree>
-      <p:nvGrpSpPr>
-        <p:cNvPr id="1" name=""/>
-        <p:cNvGrpSpPr/>
-        <p:nvPr/>
-      </p:nvGrpSpPr>
-      <p:grpSpPr>
-        <a:xfrm>
-          <a:off x="0" y="0"/>
-          <a:ext cx="0" cy="0"/>
-          <a:chOff x="0" y="0"/>
-          <a:chExt cx="0" cy="0"/>
-        </a:xfrm>
-      </p:grpSpPr>
-      <p:sp useBgFill="1">
-        <p:nvSpPr>
-          <p:cNvPr id="20" name="Rectangle 19">
-            <a:extLst>
-              <a:ext uri="{FF2B5EF4-FFF2-40B4-BE49-F238E27FC236}">
-                <a16:creationId xmlns:a16="http://schemas.microsoft.com/office/drawing/2014/main" id="{AD35AE2F-5E3A-49D9-8DE1-8A333BA4088E}"/>
-              </a:ext>
-              <a:ext uri="{C183D7F6-B498-43B3-948B-1728B52AA6E4}">
-                <adec:decorative xmlns:adec="http://schemas.microsoft.com/office/drawing/2017/decorative" val="1"/>
-              </a:ext>
-            </a:extLst>
-          </p:cNvPr>
-          <p:cNvSpPr>
-            <a:spLocks noGrp="1" noRot="1" noChangeAspect="1" noMove="1" noResize="1" noEditPoints="1" noAdjustHandles="1" noChangeArrowheads="1" noChangeShapeType="1" noTextEdit="1"/>
-          </p:cNvSpPr>
-          <p:nvPr>
-            <p:extLst>
-              <p:ext uri="{386F3935-93C4-4BCD-93E2-E3B085C9AB24}">
-                <p16:designElem xmlns:p16="http://schemas.microsoft.com/office/powerpoint/2015/main" val="1"/>
-              </p:ext>
-            </p:extLst>
-          </p:nvPr>
-        </p:nvSpPr>
-        <p:spPr>
-          <a:xfrm>
-            <a:off x="0" y="0"/>
-            <a:ext cx="12188952" cy="6858000"/>
-          </a:xfrm>
-          <a:prstGeom prst="rect">
-            <a:avLst/>
-          </a:prstGeom>
-          <a:ln>
-            <a:noFill/>
-          </a:ln>
-        </p:spPr>
-        <p:style>
-          <a:lnRef idx="2">
-            <a:schemeClr val="accent1">
-              <a:shade val="50000"/>
-            </a:schemeClr>
-          </a:lnRef>
-          <a:fillRef idx="1">
-            <a:schemeClr val="accent1"/>
-          </a:fillRef>
-          <a:effectRef idx="0">
-            <a:schemeClr val="accent1"/>
-          </a:effectRef>
-          <a:fontRef idx="minor">
-            <a:schemeClr val="lt1"/>
-          </a:fontRef>
-        </p:style>
-        <p:txBody>
-          <a:bodyPr rtlCol="0" anchor="ctr"/>
-          <a:lstStyle/>
-          <a:p>
-            <a:pPr algn="ctr"/>
-            <a:endParaRPr lang="en-US"/>
-          </a:p>
-        </p:txBody>
-      </p:sp>
-      <p:sp>
-        <p:nvSpPr>
-          <p:cNvPr id="2" name="Cím 1">
-            <a:extLst>
-              <a:ext uri="{FF2B5EF4-FFF2-40B4-BE49-F238E27FC236}">
-                <a16:creationId xmlns:a16="http://schemas.microsoft.com/office/drawing/2014/main" id="{5E82A135-AD6C-198A-14AB-5C88D7043F6B}"/>
-              </a:ext>
-            </a:extLst>
-          </p:cNvPr>
-          <p:cNvSpPr>
-            <a:spLocks noGrp="1"/>
-          </p:cNvSpPr>
-          <p:nvPr>
-            <p:ph type="ctrTitle"/>
-          </p:nvPr>
-        </p:nvSpPr>
-        <p:spPr>
-          <a:xfrm>
-            <a:off x="1524000" y="1122363"/>
-            <a:ext cx="9144000" cy="3063240"/>
-          </a:xfrm>
-        </p:spPr>
-        <p:txBody>
-          <a:bodyPr>
-            <a:normAutofit/>
-          </a:bodyPr>
-          <a:lstStyle/>
-          <a:p>
-            <a:pPr algn="ctr"/>
-            <a:r>
-              <a:rPr lang="hu-HU" dirty="0" err="1">
-                <a:latin typeface="Calibri" panose="020F0502020204030204" pitchFamily="34" charset="0"/>
-                <a:cs typeface="Calibri" panose="020F0502020204030204" pitchFamily="34" charset="0"/>
-              </a:rPr>
-              <a:t>Places</a:t>
-            </a:r>
-            <a:r>
-              <a:rPr lang="hu-HU" dirty="0">
-                <a:latin typeface="Calibri" panose="020F0502020204030204" pitchFamily="34" charset="0"/>
-                <a:cs typeface="Calibri" panose="020F0502020204030204" pitchFamily="34" charset="0"/>
-              </a:rPr>
-              <a:t> to </a:t>
-            </a:r>
-            <a:r>
-              <a:rPr lang="hu-HU" dirty="0" err="1">
-                <a:latin typeface="Calibri" panose="020F0502020204030204" pitchFamily="34" charset="0"/>
-                <a:cs typeface="Calibri" panose="020F0502020204030204" pitchFamily="34" charset="0"/>
-              </a:rPr>
-              <a:t>live</a:t>
-            </a:r>
-            <a:endParaRPr lang="en-GB" dirty="0">
-              <a:latin typeface="Calibri" panose="020F0502020204030204" pitchFamily="34" charset="0"/>
-              <a:cs typeface="Calibri" panose="020F0502020204030204" pitchFamily="34" charset="0"/>
-            </a:endParaRPr>
-          </a:p>
-        </p:txBody>
-      </p:sp>
-      <p:sp>
-        <p:nvSpPr>
-          <p:cNvPr id="3" name="Alcím 2">
-            <a:extLst>
-              <a:ext uri="{FF2B5EF4-FFF2-40B4-BE49-F238E27FC236}">
-                <a16:creationId xmlns:a16="http://schemas.microsoft.com/office/drawing/2014/main" id="{8167A76F-0D3E-0EEF-E095-79B5597DB001}"/>
-              </a:ext>
-            </a:extLst>
-          </p:cNvPr>
-          <p:cNvSpPr>
-            <a:spLocks noGrp="1"/>
-          </p:cNvSpPr>
-          <p:nvPr>
-            <p:ph type="subTitle" idx="1"/>
-          </p:nvPr>
-        </p:nvSpPr>
-        <p:spPr>
-          <a:xfrm>
-            <a:off x="1524000" y="4599432"/>
-            <a:ext cx="9144000" cy="1225296"/>
-          </a:xfrm>
-        </p:spPr>
-        <p:txBody>
-          <a:bodyPr>
-            <a:normAutofit/>
-          </a:bodyPr>
-          <a:lstStyle/>
-          <a:p>
-            <a:pPr algn="ctr"/>
-            <a:r>
-              <a:rPr lang="hu-HU" sz="3200" dirty="0">
-                <a:latin typeface="Calibri" panose="020F0502020204030204" pitchFamily="34" charset="0"/>
-                <a:cs typeface="Calibri" panose="020F0502020204030204" pitchFamily="34" charset="0"/>
-              </a:rPr>
-              <a:t>Csomós Zoltán, </a:t>
-            </a:r>
-            <a:r>
-              <a:rPr lang="hu-HU" sz="3200" dirty="0" err="1">
-                <a:latin typeface="Calibri" panose="020F0502020204030204" pitchFamily="34" charset="0"/>
-                <a:cs typeface="Calibri" panose="020F0502020204030204" pitchFamily="34" charset="0"/>
-              </a:rPr>
-              <a:t>Gadnai</a:t>
-            </a:r>
-            <a:r>
-              <a:rPr lang="hu-HU" sz="3200" dirty="0">
-                <a:latin typeface="Calibri" panose="020F0502020204030204" pitchFamily="34" charset="0"/>
-                <a:cs typeface="Calibri" panose="020F0502020204030204" pitchFamily="34" charset="0"/>
-              </a:rPr>
-              <a:t> Gergő</a:t>
-            </a:r>
-            <a:endParaRPr lang="en-GB" sz="3200" dirty="0">
-              <a:latin typeface="Calibri" panose="020F0502020204030204" pitchFamily="34" charset="0"/>
-              <a:cs typeface="Calibri" panose="020F0502020204030204" pitchFamily="34" charset="0"/>
-            </a:endParaRPr>
-          </a:p>
-        </p:txBody>
-      </p:sp>
-      <p:sp>
-        <p:nvSpPr>
-          <p:cNvPr id="22" name="Rectangle 6">
-            <a:extLst>
-              <a:ext uri="{FF2B5EF4-FFF2-40B4-BE49-F238E27FC236}">
-                <a16:creationId xmlns:a16="http://schemas.microsoft.com/office/drawing/2014/main" id="{04D8AD8F-EF7F-481F-B99A-B8513897050A}"/>
-              </a:ext>
-              <a:ext uri="{C183D7F6-B498-43B3-948B-1728B52AA6E4}">
-                <adec:decorative xmlns:adec="http://schemas.microsoft.com/office/drawing/2017/decorative" val="1"/>
-              </a:ext>
-            </a:extLst>
-          </p:cNvPr>
-          <p:cNvSpPr>
-            <a:spLocks noGrp="1" noRot="1" noChangeAspect="1" noMove="1" noResize="1" noEditPoints="1" noAdjustHandles="1" noChangeArrowheads="1" noChangeShapeType="1" noTextEdit="1"/>
-          </p:cNvSpPr>
-          <p:nvPr>
-            <p:extLst>
-              <p:ext uri="{386F3935-93C4-4BCD-93E2-E3B085C9AB24}">
-                <p16:designElem xmlns:p16="http://schemas.microsoft.com/office/powerpoint/2015/main" val="1"/>
-              </p:ext>
-            </p:extLst>
-          </p:nvPr>
-        </p:nvSpPr>
-        <p:spPr>
-          <a:xfrm>
-            <a:off x="3974206" y="4419423"/>
-            <a:ext cx="4243589" cy="27432"/>
-          </a:xfrm>
-          <a:custGeom>
-            <a:avLst/>
-            <a:gdLst>
-              <a:gd name="connsiteX0" fmla="*/ 0 w 4243589"/>
-              <a:gd name="connsiteY0" fmla="*/ 0 h 27432"/>
-              <a:gd name="connsiteX1" fmla="*/ 563791 w 4243589"/>
-              <a:gd name="connsiteY1" fmla="*/ 0 h 27432"/>
-              <a:gd name="connsiteX2" fmla="*/ 1042710 w 4243589"/>
-              <a:gd name="connsiteY2" fmla="*/ 0 h 27432"/>
-              <a:gd name="connsiteX3" fmla="*/ 1564066 w 4243589"/>
-              <a:gd name="connsiteY3" fmla="*/ 0 h 27432"/>
-              <a:gd name="connsiteX4" fmla="*/ 2212729 w 4243589"/>
-              <a:gd name="connsiteY4" fmla="*/ 0 h 27432"/>
-              <a:gd name="connsiteX5" fmla="*/ 2776520 w 4243589"/>
-              <a:gd name="connsiteY5" fmla="*/ 0 h 27432"/>
-              <a:gd name="connsiteX6" fmla="*/ 3297875 w 4243589"/>
-              <a:gd name="connsiteY6" fmla="*/ 0 h 27432"/>
-              <a:gd name="connsiteX7" fmla="*/ 4243589 w 4243589"/>
-              <a:gd name="connsiteY7" fmla="*/ 0 h 27432"/>
-              <a:gd name="connsiteX8" fmla="*/ 4243589 w 4243589"/>
-              <a:gd name="connsiteY8" fmla="*/ 27432 h 27432"/>
-              <a:gd name="connsiteX9" fmla="*/ 3637362 w 4243589"/>
-              <a:gd name="connsiteY9" fmla="*/ 27432 h 27432"/>
-              <a:gd name="connsiteX10" fmla="*/ 3116007 w 4243589"/>
-              <a:gd name="connsiteY10" fmla="*/ 27432 h 27432"/>
-              <a:gd name="connsiteX11" fmla="*/ 2424908 w 4243589"/>
-              <a:gd name="connsiteY11" fmla="*/ 27432 h 27432"/>
-              <a:gd name="connsiteX12" fmla="*/ 1861117 w 4243589"/>
-              <a:gd name="connsiteY12" fmla="*/ 27432 h 27432"/>
-              <a:gd name="connsiteX13" fmla="*/ 1382198 w 4243589"/>
-              <a:gd name="connsiteY13" fmla="*/ 27432 h 27432"/>
-              <a:gd name="connsiteX14" fmla="*/ 733535 w 4243589"/>
-              <a:gd name="connsiteY14" fmla="*/ 27432 h 27432"/>
-              <a:gd name="connsiteX15" fmla="*/ 0 w 4243589"/>
-              <a:gd name="connsiteY15" fmla="*/ 27432 h 27432"/>
-              <a:gd name="connsiteX16" fmla="*/ 0 w 4243589"/>
-              <a:gd name="connsiteY16" fmla="*/ 0 h 27432"/>
-            </a:gdLst>
-            <a:ahLst/>
-            <a:cxnLst>
-              <a:cxn ang="0">
-                <a:pos x="connsiteX0" y="connsiteY0"/>
-              </a:cxn>
-              <a:cxn ang="0">
-                <a:pos x="connsiteX1" y="connsiteY1"/>
-              </a:cxn>
-              <a:cxn ang="0">
-                <a:pos x="connsiteX2" y="connsiteY2"/>
-              </a:cxn>
-              <a:cxn ang="0">
-                <a:pos x="connsiteX3" y="connsiteY3"/>
-              </a:cxn>
-              <a:cxn ang="0">
-                <a:pos x="connsiteX4" y="connsiteY4"/>
-              </a:cxn>
-              <a:cxn ang="0">
-                <a:pos x="connsiteX5" y="connsiteY5"/>
-              </a:cxn>
-              <a:cxn ang="0">
-                <a:pos x="connsiteX6" y="connsiteY6"/>
-              </a:cxn>
-              <a:cxn ang="0">
-                <a:pos x="connsiteX7" y="connsiteY7"/>
-              </a:cxn>
-              <a:cxn ang="0">
-                <a:pos x="connsiteX8" y="connsiteY8"/>
-              </a:cxn>
-              <a:cxn ang="0">
-                <a:pos x="connsiteX9" y="connsiteY9"/>
-              </a:cxn>
-              <a:cxn ang="0">
-                <a:pos x="connsiteX10" y="connsiteY10"/>
-              </a:cxn>
-              <a:cxn ang="0">
-                <a:pos x="connsiteX11" y="connsiteY11"/>
-              </a:cxn>
-              <a:cxn ang="0">
-                <a:pos x="connsiteX12" y="connsiteY12"/>
-              </a:cxn>
-              <a:cxn ang="0">
-                <a:pos x="connsiteX13" y="connsiteY13"/>
-              </a:cxn>
-              <a:cxn ang="0">
-                <a:pos x="connsiteX14" y="connsiteY14"/>
-              </a:cxn>
-              <a:cxn ang="0">
-                <a:pos x="connsiteX15" y="connsiteY15"/>
-              </a:cxn>
-              <a:cxn ang="0">
-                <a:pos x="connsiteX16" y="connsiteY16"/>
-              </a:cxn>
-            </a:cxnLst>
-            <a:rect l="l" t="t" r="r" b="b"/>
-            <a:pathLst>
-              <a:path w="4243589" h="27432" fill="none" extrusionOk="0">
-                <a:moveTo>
-                  <a:pt x="0" y="0"/>
-                </a:moveTo>
-                <a:cubicBezTo>
-                  <a:pt x="157351" y="-15653"/>
-                  <a:pt x="378877" y="-5828"/>
-                  <a:pt x="563791" y="0"/>
-                </a:cubicBezTo>
-                <a:cubicBezTo>
-                  <a:pt x="748705" y="5828"/>
-                  <a:pt x="905659" y="-5525"/>
-                  <a:pt x="1042710" y="0"/>
-                </a:cubicBezTo>
-                <a:cubicBezTo>
-                  <a:pt x="1179761" y="5525"/>
-                  <a:pt x="1356845" y="-21288"/>
-                  <a:pt x="1564066" y="0"/>
-                </a:cubicBezTo>
-                <a:cubicBezTo>
-                  <a:pt x="1771287" y="21288"/>
-                  <a:pt x="1912099" y="25135"/>
-                  <a:pt x="2212729" y="0"/>
-                </a:cubicBezTo>
-                <a:cubicBezTo>
-                  <a:pt x="2513359" y="-25135"/>
-                  <a:pt x="2514918" y="-27119"/>
-                  <a:pt x="2776520" y="0"/>
-                </a:cubicBezTo>
-                <a:cubicBezTo>
-                  <a:pt x="3038122" y="27119"/>
-                  <a:pt x="3178771" y="18116"/>
-                  <a:pt x="3297875" y="0"/>
-                </a:cubicBezTo>
-                <a:cubicBezTo>
-                  <a:pt x="3416980" y="-18116"/>
-                  <a:pt x="4012240" y="-40869"/>
-                  <a:pt x="4243589" y="0"/>
-                </a:cubicBezTo>
-                <a:cubicBezTo>
-                  <a:pt x="4242616" y="8304"/>
-                  <a:pt x="4243111" y="21512"/>
-                  <a:pt x="4243589" y="27432"/>
-                </a:cubicBezTo>
-                <a:cubicBezTo>
-                  <a:pt x="4112949" y="6289"/>
-                  <a:pt x="3928037" y="10975"/>
-                  <a:pt x="3637362" y="27432"/>
-                </a:cubicBezTo>
-                <a:cubicBezTo>
-                  <a:pt x="3346687" y="43889"/>
-                  <a:pt x="3254446" y="35813"/>
-                  <a:pt x="3116007" y="27432"/>
-                </a:cubicBezTo>
-                <a:cubicBezTo>
-                  <a:pt x="2977569" y="19051"/>
-                  <a:pt x="2620228" y="38017"/>
-                  <a:pt x="2424908" y="27432"/>
-                </a:cubicBezTo>
-                <a:cubicBezTo>
-                  <a:pt x="2229588" y="16847"/>
-                  <a:pt x="2088287" y="5290"/>
-                  <a:pt x="1861117" y="27432"/>
-                </a:cubicBezTo>
-                <a:cubicBezTo>
-                  <a:pt x="1633947" y="49574"/>
-                  <a:pt x="1502447" y="8273"/>
-                  <a:pt x="1382198" y="27432"/>
-                </a:cubicBezTo>
-                <a:cubicBezTo>
-                  <a:pt x="1261949" y="46591"/>
-                  <a:pt x="1045440" y="37497"/>
-                  <a:pt x="733535" y="27432"/>
-                </a:cubicBezTo>
-                <a:cubicBezTo>
-                  <a:pt x="421630" y="17367"/>
-                  <a:pt x="341257" y="-9215"/>
-                  <a:pt x="0" y="27432"/>
-                </a:cubicBezTo>
-                <a:cubicBezTo>
-                  <a:pt x="-1048" y="14992"/>
-                  <a:pt x="-1120" y="7447"/>
-                  <a:pt x="0" y="0"/>
-                </a:cubicBezTo>
-                <a:close/>
-              </a:path>
-              <a:path w="4243589" h="27432" stroke="0" extrusionOk="0">
-                <a:moveTo>
-                  <a:pt x="0" y="0"/>
-                </a:moveTo>
-                <a:cubicBezTo>
-                  <a:pt x="128164" y="17204"/>
-                  <a:pt x="312653" y="1129"/>
-                  <a:pt x="563791" y="0"/>
-                </a:cubicBezTo>
-                <a:cubicBezTo>
-                  <a:pt x="814929" y="-1129"/>
-                  <a:pt x="837271" y="8503"/>
-                  <a:pt x="1042710" y="0"/>
-                </a:cubicBezTo>
-                <a:cubicBezTo>
-                  <a:pt x="1248149" y="-8503"/>
-                  <a:pt x="1588432" y="-28862"/>
-                  <a:pt x="1733809" y="0"/>
-                </a:cubicBezTo>
-                <a:cubicBezTo>
-                  <a:pt x="1879186" y="28862"/>
-                  <a:pt x="2052815" y="5974"/>
-                  <a:pt x="2297600" y="0"/>
-                </a:cubicBezTo>
-                <a:cubicBezTo>
-                  <a:pt x="2542385" y="-5974"/>
-                  <a:pt x="2699960" y="-23550"/>
-                  <a:pt x="2861391" y="0"/>
-                </a:cubicBezTo>
-                <a:cubicBezTo>
-                  <a:pt x="3022822" y="23550"/>
-                  <a:pt x="3390411" y="25272"/>
-                  <a:pt x="3552490" y="0"/>
-                </a:cubicBezTo>
-                <a:cubicBezTo>
-                  <a:pt x="3714569" y="-25272"/>
-                  <a:pt x="3950585" y="-31327"/>
-                  <a:pt x="4243589" y="0"/>
-                </a:cubicBezTo>
-                <a:cubicBezTo>
-                  <a:pt x="4244074" y="9333"/>
-                  <a:pt x="4244867" y="19699"/>
-                  <a:pt x="4243589" y="27432"/>
-                </a:cubicBezTo>
-                <a:cubicBezTo>
-                  <a:pt x="4130424" y="7904"/>
-                  <a:pt x="3932803" y="51393"/>
-                  <a:pt x="3722234" y="27432"/>
-                </a:cubicBezTo>
-                <a:cubicBezTo>
-                  <a:pt x="3511665" y="3471"/>
-                  <a:pt x="3269903" y="55138"/>
-                  <a:pt x="3116007" y="27432"/>
-                </a:cubicBezTo>
-                <a:cubicBezTo>
-                  <a:pt x="2962111" y="-274"/>
-                  <a:pt x="2744280" y="32368"/>
-                  <a:pt x="2509780" y="27432"/>
-                </a:cubicBezTo>
-                <a:cubicBezTo>
-                  <a:pt x="2275280" y="22496"/>
-                  <a:pt x="2066059" y="52808"/>
-                  <a:pt x="1945989" y="27432"/>
-                </a:cubicBezTo>
-                <a:cubicBezTo>
-                  <a:pt x="1825919" y="2056"/>
-                  <a:pt x="1407329" y="21760"/>
-                  <a:pt x="1254890" y="27432"/>
-                </a:cubicBezTo>
-                <a:cubicBezTo>
-                  <a:pt x="1102451" y="33104"/>
-                  <a:pt x="837950" y="40817"/>
-                  <a:pt x="563791" y="27432"/>
-                </a:cubicBezTo>
-                <a:cubicBezTo>
-                  <a:pt x="289632" y="14047"/>
-                  <a:pt x="132768" y="16249"/>
-                  <a:pt x="0" y="27432"/>
-                </a:cubicBezTo>
-                <a:cubicBezTo>
-                  <a:pt x="211" y="18145"/>
-                  <a:pt x="120" y="6480"/>
-                  <a:pt x="0" y="0"/>
-                </a:cubicBezTo>
-                <a:close/>
-              </a:path>
-            </a:pathLst>
-          </a:custGeom>
-          <a:solidFill>
-            <a:schemeClr val="tx1"/>
-          </a:solidFill>
-          <a:ln w="38100" cap="rnd">
-            <a:solidFill>
-              <a:schemeClr val="tx1"/>
-            </a:solidFill>
-            <a:round/>
-            <a:extLst>
-              <a:ext uri="{C807C97D-BFC1-408E-A445-0C87EB9F89A2}">
-                <ask:lineSketchStyleProps xmlns:ask="http://schemas.microsoft.com/office/drawing/2018/sketchyshapes" sd="1219033472">
-                  <a:prstGeom prst="rect">
-                    <a:avLst/>
-                  </a:prstGeom>
-                  <ask:type>
-                    <ask:lineSketchFreehand/>
-                  </ask:type>
-                </ask:lineSketchStyleProps>
-              </a:ext>
-            </a:extLst>
-          </a:ln>
-        </p:spPr>
-        <p:style>
-          <a:lnRef idx="2">
-            <a:schemeClr val="accent1">
-              <a:shade val="50000"/>
-            </a:schemeClr>
-          </a:lnRef>
-          <a:fillRef idx="1">
-            <a:schemeClr val="accent1"/>
-          </a:fillRef>
-          <a:effectRef idx="0">
-            <a:schemeClr val="accent1"/>
-          </a:effectRef>
-          <a:fontRef idx="minor">
-            <a:schemeClr val="lt1"/>
-          </a:fontRef>
-        </p:style>
-        <p:txBody>
-          <a:bodyPr rtlCol="0" anchor="ctr"/>
-          <a:lstStyle/>
-          <a:p>
-            <a:pPr algn="ctr"/>
-            <a:endParaRPr lang="en-US"/>
-          </a:p>
-        </p:txBody>
-      </p:sp>
-      <p:sp>
-        <p:nvSpPr>
-          <p:cNvPr id="24" name="Rectangle 6">
-            <a:extLst>
-              <a:ext uri="{FF2B5EF4-FFF2-40B4-BE49-F238E27FC236}">
-                <a16:creationId xmlns:a16="http://schemas.microsoft.com/office/drawing/2014/main" id="{79EB4626-023C-436D-9F57-9EB46080909D}"/>
-              </a:ext>
-              <a:ext uri="{C183D7F6-B498-43B3-948B-1728B52AA6E4}">
-                <adec:decorative xmlns:adec="http://schemas.microsoft.com/office/drawing/2017/decorative" val="1"/>
-              </a:ext>
-            </a:extLst>
-          </p:cNvPr>
-          <p:cNvSpPr>
-            <a:spLocks noGrp="1" noRot="1" noChangeAspect="1" noMove="1" noResize="1" noEditPoints="1" noAdjustHandles="1" noChangeArrowheads="1" noChangeShapeType="1" noTextEdit="1"/>
-          </p:cNvSpPr>
-          <p:nvPr>
-            <p:extLst>
-              <p:ext uri="{386F3935-93C4-4BCD-93E2-E3B085C9AB24}">
-                <p16:designElem xmlns:p16="http://schemas.microsoft.com/office/powerpoint/2015/main" val="1"/>
-              </p:ext>
-            </p:extLst>
-          </p:nvPr>
-        </p:nvSpPr>
-        <p:spPr>
-          <a:xfrm flipV="1">
-            <a:off x="838200" y="720953"/>
-            <a:ext cx="10515600" cy="5416094"/>
-          </a:xfrm>
-          <a:custGeom>
-            <a:avLst/>
-            <a:gdLst>
-              <a:gd name="connsiteX0" fmla="*/ 0 w 10515600"/>
-              <a:gd name="connsiteY0" fmla="*/ 902700 h 5416094"/>
-              <a:gd name="connsiteX1" fmla="*/ 902700 w 10515600"/>
-              <a:gd name="connsiteY1" fmla="*/ 0 h 5416094"/>
-              <a:gd name="connsiteX2" fmla="*/ 1746919 w 10515600"/>
-              <a:gd name="connsiteY2" fmla="*/ 0 h 5416094"/>
-              <a:gd name="connsiteX3" fmla="*/ 2329833 w 10515600"/>
-              <a:gd name="connsiteY3" fmla="*/ 0 h 5416094"/>
-              <a:gd name="connsiteX4" fmla="*/ 2825644 w 10515600"/>
-              <a:gd name="connsiteY4" fmla="*/ 0 h 5416094"/>
-              <a:gd name="connsiteX5" fmla="*/ 3582762 w 10515600"/>
-              <a:gd name="connsiteY5" fmla="*/ 0 h 5416094"/>
-              <a:gd name="connsiteX6" fmla="*/ 4165675 w 10515600"/>
-              <a:gd name="connsiteY6" fmla="*/ 0 h 5416094"/>
-              <a:gd name="connsiteX7" fmla="*/ 5009894 w 10515600"/>
-              <a:gd name="connsiteY7" fmla="*/ 0 h 5416094"/>
-              <a:gd name="connsiteX8" fmla="*/ 5505706 w 10515600"/>
-              <a:gd name="connsiteY8" fmla="*/ 0 h 5416094"/>
-              <a:gd name="connsiteX9" fmla="*/ 6349925 w 10515600"/>
-              <a:gd name="connsiteY9" fmla="*/ 0 h 5416094"/>
-              <a:gd name="connsiteX10" fmla="*/ 6758634 w 10515600"/>
-              <a:gd name="connsiteY10" fmla="*/ 0 h 5416094"/>
-              <a:gd name="connsiteX11" fmla="*/ 7428650 w 10515600"/>
-              <a:gd name="connsiteY11" fmla="*/ 0 h 5416094"/>
-              <a:gd name="connsiteX12" fmla="*/ 8098665 w 10515600"/>
-              <a:gd name="connsiteY12" fmla="*/ 0 h 5416094"/>
-              <a:gd name="connsiteX13" fmla="*/ 8681579 w 10515600"/>
-              <a:gd name="connsiteY13" fmla="*/ 0 h 5416094"/>
-              <a:gd name="connsiteX14" fmla="*/ 9612900 w 10515600"/>
-              <a:gd name="connsiteY14" fmla="*/ 0 h 5416094"/>
-              <a:gd name="connsiteX15" fmla="*/ 10515600 w 10515600"/>
-              <a:gd name="connsiteY15" fmla="*/ 902700 h 5416094"/>
-              <a:gd name="connsiteX16" fmla="*/ 10515600 w 10515600"/>
-              <a:gd name="connsiteY16" fmla="*/ 1504482 h 5416094"/>
-              <a:gd name="connsiteX17" fmla="*/ 10515600 w 10515600"/>
-              <a:gd name="connsiteY17" fmla="*/ 2178479 h 5416094"/>
-              <a:gd name="connsiteX18" fmla="*/ 10515600 w 10515600"/>
-              <a:gd name="connsiteY18" fmla="*/ 2780261 h 5416094"/>
-              <a:gd name="connsiteX19" fmla="*/ 10515600 w 10515600"/>
-              <a:gd name="connsiteY19" fmla="*/ 3273722 h 5416094"/>
-              <a:gd name="connsiteX20" fmla="*/ 10515600 w 10515600"/>
-              <a:gd name="connsiteY20" fmla="*/ 3803291 h 5416094"/>
-              <a:gd name="connsiteX21" fmla="*/ 10515600 w 10515600"/>
-              <a:gd name="connsiteY21" fmla="*/ 4513394 h 5416094"/>
-              <a:gd name="connsiteX22" fmla="*/ 9612900 w 10515600"/>
-              <a:gd name="connsiteY22" fmla="*/ 5416094 h 5416094"/>
-              <a:gd name="connsiteX23" fmla="*/ 9117089 w 10515600"/>
-              <a:gd name="connsiteY23" fmla="*/ 5416094 h 5416094"/>
-              <a:gd name="connsiteX24" fmla="*/ 8708379 w 10515600"/>
-              <a:gd name="connsiteY24" fmla="*/ 5416094 h 5416094"/>
-              <a:gd name="connsiteX25" fmla="*/ 8299670 w 10515600"/>
-              <a:gd name="connsiteY25" fmla="*/ 5416094 h 5416094"/>
-              <a:gd name="connsiteX26" fmla="*/ 7629654 w 10515600"/>
-              <a:gd name="connsiteY26" fmla="*/ 5416094 h 5416094"/>
-              <a:gd name="connsiteX27" fmla="*/ 7133843 w 10515600"/>
-              <a:gd name="connsiteY27" fmla="*/ 5416094 h 5416094"/>
-              <a:gd name="connsiteX28" fmla="*/ 6376726 w 10515600"/>
-              <a:gd name="connsiteY28" fmla="*/ 5416094 h 5416094"/>
-              <a:gd name="connsiteX29" fmla="*/ 5880914 w 10515600"/>
-              <a:gd name="connsiteY29" fmla="*/ 5416094 h 5416094"/>
-              <a:gd name="connsiteX30" fmla="*/ 5123797 w 10515600"/>
-              <a:gd name="connsiteY30" fmla="*/ 5416094 h 5416094"/>
-              <a:gd name="connsiteX31" fmla="*/ 4715088 w 10515600"/>
-              <a:gd name="connsiteY31" fmla="*/ 5416094 h 5416094"/>
-              <a:gd name="connsiteX32" fmla="*/ 3957970 w 10515600"/>
-              <a:gd name="connsiteY32" fmla="*/ 5416094 h 5416094"/>
-              <a:gd name="connsiteX33" fmla="*/ 3462159 w 10515600"/>
-              <a:gd name="connsiteY33" fmla="*/ 5416094 h 5416094"/>
-              <a:gd name="connsiteX34" fmla="*/ 3053449 w 10515600"/>
-              <a:gd name="connsiteY34" fmla="*/ 5416094 h 5416094"/>
-              <a:gd name="connsiteX35" fmla="*/ 2557638 w 10515600"/>
-              <a:gd name="connsiteY35" fmla="*/ 5416094 h 5416094"/>
-              <a:gd name="connsiteX36" fmla="*/ 1800521 w 10515600"/>
-              <a:gd name="connsiteY36" fmla="*/ 5416094 h 5416094"/>
-              <a:gd name="connsiteX37" fmla="*/ 902700 w 10515600"/>
-              <a:gd name="connsiteY37" fmla="*/ 5416094 h 5416094"/>
-              <a:gd name="connsiteX38" fmla="*/ 0 w 10515600"/>
-              <a:gd name="connsiteY38" fmla="*/ 4513394 h 5416094"/>
-              <a:gd name="connsiteX39" fmla="*/ 0 w 10515600"/>
-              <a:gd name="connsiteY39" fmla="*/ 3911612 h 5416094"/>
-              <a:gd name="connsiteX40" fmla="*/ 0 w 10515600"/>
-              <a:gd name="connsiteY40" fmla="*/ 3309829 h 5416094"/>
-              <a:gd name="connsiteX41" fmla="*/ 0 w 10515600"/>
-              <a:gd name="connsiteY41" fmla="*/ 2780261 h 5416094"/>
-              <a:gd name="connsiteX42" fmla="*/ 0 w 10515600"/>
-              <a:gd name="connsiteY42" fmla="*/ 2106265 h 5416094"/>
-              <a:gd name="connsiteX43" fmla="*/ 0 w 10515600"/>
-              <a:gd name="connsiteY43" fmla="*/ 1504482 h 5416094"/>
-              <a:gd name="connsiteX44" fmla="*/ 0 w 10515600"/>
-              <a:gd name="connsiteY44" fmla="*/ 902700 h 5416094"/>
-            </a:gdLst>
-            <a:ahLst/>
-            <a:cxnLst>
-              <a:cxn ang="0">
-                <a:pos x="connsiteX0" y="connsiteY0"/>
-              </a:cxn>
-              <a:cxn ang="0">
-                <a:pos x="connsiteX1" y="connsiteY1"/>
-              </a:cxn>
-              <a:cxn ang="0">
-                <a:pos x="connsiteX2" y="connsiteY2"/>
-              </a:cxn>
-              <a:cxn ang="0">
-                <a:pos x="connsiteX3" y="connsiteY3"/>
-              </a:cxn>
-              <a:cxn ang="0">
-                <a:pos x="connsiteX4" y="connsiteY4"/>
-              </a:cxn>
-              <a:cxn ang="0">
-                <a:pos x="connsiteX5" y="connsiteY5"/>
-              </a:cxn>
-              <a:cxn ang="0">
-                <a:pos x="connsiteX6" y="connsiteY6"/>
-              </a:cxn>
-              <a:cxn ang="0">
-                <a:pos x="connsiteX7" y="connsiteY7"/>
-              </a:cxn>
-              <a:cxn ang="0">
-                <a:pos x="connsiteX8" y="connsiteY8"/>
-              </a:cxn>
-              <a:cxn ang="0">
-                <a:pos x="connsiteX9" y="connsiteY9"/>
-              </a:cxn>
-              <a:cxn ang="0">
-                <a:pos x="connsiteX10" y="connsiteY10"/>
-              </a:cxn>
-              <a:cxn ang="0">
-                <a:pos x="connsiteX11" y="connsiteY11"/>
-              </a:cxn>
-              <a:cxn ang="0">
-                <a:pos x="connsiteX12" y="connsiteY12"/>
-              </a:cxn>
-              <a:cxn ang="0">
-                <a:pos x="connsiteX13" y="connsiteY13"/>
-              </a:cxn>
-              <a:cxn ang="0">
-                <a:pos x="connsiteX14" y="connsiteY14"/>
-              </a:cxn>
-              <a:cxn ang="0">
-                <a:pos x="connsiteX15" y="connsiteY15"/>
-              </a:cxn>
-              <a:cxn ang="0">
-                <a:pos x="connsiteX16" y="connsiteY16"/>
-              </a:cxn>
-              <a:cxn ang="0">
-                <a:pos x="connsiteX17" y="connsiteY17"/>
-              </a:cxn>
-              <a:cxn ang="0">
-                <a:pos x="connsiteX18" y="connsiteY18"/>
-              </a:cxn>
-              <a:cxn ang="0">
-                <a:pos x="connsiteX19" y="connsiteY19"/>
-              </a:cxn>
-              <a:cxn ang="0">
-                <a:pos x="connsiteX20" y="connsiteY20"/>
-              </a:cxn>
-              <a:cxn ang="0">
-                <a:pos x="connsiteX21" y="connsiteY21"/>
-              </a:cxn>
-              <a:cxn ang="0">
-                <a:pos x="connsiteX22" y="connsiteY22"/>
-              </a:cxn>
-              <a:cxn ang="0">
-                <a:pos x="connsiteX23" y="connsiteY23"/>
-              </a:cxn>
-              <a:cxn ang="0">
-                <a:pos x="connsiteX24" y="connsiteY24"/>
-              </a:cxn>
-              <a:cxn ang="0">
-                <a:pos x="connsiteX25" y="connsiteY25"/>
-              </a:cxn>
-              <a:cxn ang="0">
-                <a:pos x="connsiteX26" y="connsiteY26"/>
-              </a:cxn>
-              <a:cxn ang="0">
-                <a:pos x="connsiteX27" y="connsiteY27"/>
-              </a:cxn>
-              <a:cxn ang="0">
-                <a:pos x="connsiteX28" y="connsiteY28"/>
-              </a:cxn>
-              <a:cxn ang="0">
-                <a:pos x="connsiteX29" y="connsiteY29"/>
-              </a:cxn>
-              <a:cxn ang="0">
-                <a:pos x="connsiteX30" y="connsiteY30"/>
-              </a:cxn>
-              <a:cxn ang="0">
-                <a:pos x="connsiteX31" y="connsiteY31"/>
-              </a:cxn>
-              <a:cxn ang="0">
-                <a:pos x="connsiteX32" y="connsiteY32"/>
-              </a:cxn>
-              <a:cxn ang="0">
-                <a:pos x="connsiteX33" y="connsiteY33"/>
-              </a:cxn>
-              <a:cxn ang="0">
-                <a:pos x="connsiteX34" y="connsiteY34"/>
-              </a:cxn>
-              <a:cxn ang="0">
-                <a:pos x="connsiteX35" y="connsiteY35"/>
-              </a:cxn>
-              <a:cxn ang="0">
-                <a:pos x="connsiteX36" y="connsiteY36"/>
-              </a:cxn>
-              <a:cxn ang="0">
-                <a:pos x="connsiteX37" y="connsiteY37"/>
-              </a:cxn>
-              <a:cxn ang="0">
-                <a:pos x="connsiteX38" y="connsiteY38"/>
-              </a:cxn>
-              <a:cxn ang="0">
-                <a:pos x="connsiteX39" y="connsiteY39"/>
-              </a:cxn>
-              <a:cxn ang="0">
-                <a:pos x="connsiteX40" y="connsiteY40"/>
-              </a:cxn>
-              <a:cxn ang="0">
-                <a:pos x="connsiteX41" y="connsiteY41"/>
-              </a:cxn>
-              <a:cxn ang="0">
-                <a:pos x="connsiteX42" y="connsiteY42"/>
-              </a:cxn>
-              <a:cxn ang="0">
-                <a:pos x="connsiteX43" y="connsiteY43"/>
-              </a:cxn>
-              <a:cxn ang="0">
-                <a:pos x="connsiteX44" y="connsiteY44"/>
-              </a:cxn>
-            </a:cxnLst>
-            <a:rect l="l" t="t" r="r" b="b"/>
-            <a:pathLst>
-              <a:path w="10515600" h="5416094" extrusionOk="0">
-                <a:moveTo>
-                  <a:pt x="0" y="902700"/>
-                </a:moveTo>
-                <a:cubicBezTo>
-                  <a:pt x="-57306" y="368805"/>
-                  <a:pt x="305054" y="37193"/>
-                  <a:pt x="902700" y="0"/>
-                </a:cubicBezTo>
-                <a:cubicBezTo>
-                  <a:pt x="1280419" y="-35006"/>
-                  <a:pt x="1407743" y="-35339"/>
-                  <a:pt x="1746919" y="0"/>
-                </a:cubicBezTo>
-                <a:cubicBezTo>
-                  <a:pt x="2086095" y="35339"/>
-                  <a:pt x="2146539" y="-12333"/>
-                  <a:pt x="2329833" y="0"/>
-                </a:cubicBezTo>
-                <a:cubicBezTo>
-                  <a:pt x="2513127" y="12333"/>
-                  <a:pt x="2706706" y="12952"/>
-                  <a:pt x="2825644" y="0"/>
-                </a:cubicBezTo>
-                <a:cubicBezTo>
-                  <a:pt x="2944582" y="-12952"/>
-                  <a:pt x="3420817" y="-27100"/>
-                  <a:pt x="3582762" y="0"/>
-                </a:cubicBezTo>
-                <a:cubicBezTo>
-                  <a:pt x="3744707" y="27100"/>
-                  <a:pt x="4023584" y="-9167"/>
-                  <a:pt x="4165675" y="0"/>
-                </a:cubicBezTo>
-                <a:cubicBezTo>
-                  <a:pt x="4307766" y="9167"/>
-                  <a:pt x="4770188" y="27031"/>
-                  <a:pt x="5009894" y="0"/>
-                </a:cubicBezTo>
-                <a:cubicBezTo>
-                  <a:pt x="5249600" y="-27031"/>
-                  <a:pt x="5349881" y="-194"/>
-                  <a:pt x="5505706" y="0"/>
-                </a:cubicBezTo>
-                <a:cubicBezTo>
-                  <a:pt x="5661531" y="194"/>
-                  <a:pt x="6129254" y="-29363"/>
-                  <a:pt x="6349925" y="0"/>
-                </a:cubicBezTo>
-                <a:cubicBezTo>
-                  <a:pt x="6570596" y="29363"/>
-                  <a:pt x="6581199" y="-14617"/>
-                  <a:pt x="6758634" y="0"/>
-                </a:cubicBezTo>
-                <a:cubicBezTo>
-                  <a:pt x="6936069" y="14617"/>
-                  <a:pt x="7246491" y="25675"/>
-                  <a:pt x="7428650" y="0"/>
-                </a:cubicBezTo>
-                <a:cubicBezTo>
-                  <a:pt x="7610809" y="-25675"/>
-                  <a:pt x="7825190" y="-17078"/>
-                  <a:pt x="8098665" y="0"/>
-                </a:cubicBezTo>
-                <a:cubicBezTo>
-                  <a:pt x="8372141" y="17078"/>
-                  <a:pt x="8559625" y="-21568"/>
-                  <a:pt x="8681579" y="0"/>
-                </a:cubicBezTo>
-                <a:cubicBezTo>
-                  <a:pt x="8803533" y="21568"/>
-                  <a:pt x="9307226" y="-46066"/>
-                  <a:pt x="9612900" y="0"/>
-                </a:cubicBezTo>
-                <a:cubicBezTo>
-                  <a:pt x="10119954" y="-10560"/>
-                  <a:pt x="10418674" y="366684"/>
-                  <a:pt x="10515600" y="902700"/>
-                </a:cubicBezTo>
-                <a:cubicBezTo>
-                  <a:pt x="10494548" y="1140809"/>
-                  <a:pt x="10524881" y="1252168"/>
-                  <a:pt x="10515600" y="1504482"/>
-                </a:cubicBezTo>
-                <a:cubicBezTo>
-                  <a:pt x="10506319" y="1756796"/>
-                  <a:pt x="10494309" y="1995078"/>
-                  <a:pt x="10515600" y="2178479"/>
-                </a:cubicBezTo>
-                <a:cubicBezTo>
-                  <a:pt x="10536891" y="2361880"/>
-                  <a:pt x="10522845" y="2487483"/>
-                  <a:pt x="10515600" y="2780261"/>
-                </a:cubicBezTo>
-                <a:cubicBezTo>
-                  <a:pt x="10508355" y="3073039"/>
-                  <a:pt x="10533694" y="3138252"/>
-                  <a:pt x="10515600" y="3273722"/>
-                </a:cubicBezTo>
-                <a:cubicBezTo>
-                  <a:pt x="10497506" y="3409192"/>
-                  <a:pt x="10514952" y="3569910"/>
-                  <a:pt x="10515600" y="3803291"/>
-                </a:cubicBezTo>
-                <a:cubicBezTo>
-                  <a:pt x="10516248" y="4036672"/>
-                  <a:pt x="10499126" y="4317688"/>
-                  <a:pt x="10515600" y="4513394"/>
-                </a:cubicBezTo>
-                <a:cubicBezTo>
-                  <a:pt x="10585499" y="4997151"/>
-                  <a:pt x="10115437" y="5453981"/>
-                  <a:pt x="9612900" y="5416094"/>
-                </a:cubicBezTo>
-                <a:cubicBezTo>
-                  <a:pt x="9473271" y="5418358"/>
-                  <a:pt x="9316384" y="5423764"/>
-                  <a:pt x="9117089" y="5416094"/>
-                </a:cubicBezTo>
-                <a:cubicBezTo>
-                  <a:pt x="8917794" y="5408424"/>
-                  <a:pt x="8902141" y="5433256"/>
-                  <a:pt x="8708379" y="5416094"/>
-                </a:cubicBezTo>
-                <a:cubicBezTo>
-                  <a:pt x="8514617" y="5398933"/>
-                  <a:pt x="8454700" y="5422387"/>
-                  <a:pt x="8299670" y="5416094"/>
-                </a:cubicBezTo>
-                <a:cubicBezTo>
-                  <a:pt x="8144640" y="5409801"/>
-                  <a:pt x="7907022" y="5398388"/>
-                  <a:pt x="7629654" y="5416094"/>
-                </a:cubicBezTo>
-                <a:cubicBezTo>
-                  <a:pt x="7352286" y="5433800"/>
-                  <a:pt x="7244777" y="5409877"/>
-                  <a:pt x="7133843" y="5416094"/>
-                </a:cubicBezTo>
-                <a:cubicBezTo>
-                  <a:pt x="7022909" y="5422311"/>
-                  <a:pt x="6748865" y="5379753"/>
-                  <a:pt x="6376726" y="5416094"/>
-                </a:cubicBezTo>
-                <a:cubicBezTo>
-                  <a:pt x="6004587" y="5452435"/>
-                  <a:pt x="5991442" y="5438860"/>
-                  <a:pt x="5880914" y="5416094"/>
-                </a:cubicBezTo>
-                <a:cubicBezTo>
-                  <a:pt x="5770386" y="5393328"/>
-                  <a:pt x="5294303" y="5440618"/>
-                  <a:pt x="5123797" y="5416094"/>
-                </a:cubicBezTo>
-                <a:cubicBezTo>
-                  <a:pt x="4953291" y="5391570"/>
-                  <a:pt x="4828705" y="5430421"/>
-                  <a:pt x="4715088" y="5416094"/>
-                </a:cubicBezTo>
-                <a:cubicBezTo>
-                  <a:pt x="4601471" y="5401767"/>
-                  <a:pt x="4227806" y="5381491"/>
-                  <a:pt x="3957970" y="5416094"/>
-                </a:cubicBezTo>
-                <a:cubicBezTo>
-                  <a:pt x="3688134" y="5450697"/>
-                  <a:pt x="3670638" y="5425309"/>
-                  <a:pt x="3462159" y="5416094"/>
-                </a:cubicBezTo>
-                <a:cubicBezTo>
-                  <a:pt x="3253680" y="5406879"/>
-                  <a:pt x="3167443" y="5432031"/>
-                  <a:pt x="3053449" y="5416094"/>
-                </a:cubicBezTo>
-                <a:cubicBezTo>
-                  <a:pt x="2939455" y="5400158"/>
-                  <a:pt x="2701485" y="5433995"/>
-                  <a:pt x="2557638" y="5416094"/>
-                </a:cubicBezTo>
-                <a:cubicBezTo>
-                  <a:pt x="2413791" y="5398193"/>
-                  <a:pt x="2168647" y="5424510"/>
-                  <a:pt x="1800521" y="5416094"/>
-                </a:cubicBezTo>
-                <a:cubicBezTo>
-                  <a:pt x="1432395" y="5407678"/>
-                  <a:pt x="1261364" y="5454497"/>
-                  <a:pt x="902700" y="5416094"/>
-                </a:cubicBezTo>
-                <a:cubicBezTo>
-                  <a:pt x="519468" y="5419760"/>
-                  <a:pt x="63003" y="5077223"/>
-                  <a:pt x="0" y="4513394"/>
-                </a:cubicBezTo>
-                <a:cubicBezTo>
-                  <a:pt x="-20265" y="4243495"/>
-                  <a:pt x="27650" y="4053844"/>
-                  <a:pt x="0" y="3911612"/>
-                </a:cubicBezTo>
-                <a:cubicBezTo>
-                  <a:pt x="-27650" y="3769380"/>
-                  <a:pt x="24988" y="3469350"/>
-                  <a:pt x="0" y="3309829"/>
-                </a:cubicBezTo>
-                <a:cubicBezTo>
-                  <a:pt x="-24988" y="3150308"/>
-                  <a:pt x="-16973" y="2933511"/>
-                  <a:pt x="0" y="2780261"/>
-                </a:cubicBezTo>
-                <a:cubicBezTo>
-                  <a:pt x="16973" y="2627011"/>
-                  <a:pt x="-11552" y="2315258"/>
-                  <a:pt x="0" y="2106265"/>
-                </a:cubicBezTo>
-                <a:cubicBezTo>
-                  <a:pt x="11552" y="1897272"/>
-                  <a:pt x="-9167" y="1726905"/>
-                  <a:pt x="0" y="1504482"/>
-                </a:cubicBezTo>
-                <a:cubicBezTo>
-                  <a:pt x="9167" y="1282059"/>
-                  <a:pt x="10972" y="1160784"/>
-                  <a:pt x="0" y="902700"/>
-                </a:cubicBezTo>
-                <a:close/>
-              </a:path>
-            </a:pathLst>
-          </a:custGeom>
-          <a:noFill/>
-          <a:ln w="60325" cap="rnd">
-            <a:solidFill>
-              <a:schemeClr val="tx1"/>
-            </a:solidFill>
-            <a:round/>
-            <a:extLst>
-              <a:ext uri="{C807C97D-BFC1-408E-A445-0C87EB9F89A2}">
-                <ask:lineSketchStyleProps xmlns:ask="http://schemas.microsoft.com/office/drawing/2018/sketchyshapes" sd="1219033472">
-                  <a:prstGeom prst="roundRect">
-                    <a:avLst/>
-                  </a:prstGeom>
-                  <ask:type>
-                    <ask:lineSketchFreehand/>
-                  </ask:type>
-                </ask:lineSketchStyleProps>
-              </a:ext>
-            </a:extLst>
-          </a:ln>
-        </p:spPr>
-        <p:style>
-          <a:lnRef idx="2">
-            <a:schemeClr val="accent1">
-              <a:shade val="50000"/>
-            </a:schemeClr>
-          </a:lnRef>
-          <a:fillRef idx="1">
-            <a:schemeClr val="accent1"/>
-          </a:fillRef>
-          <a:effectRef idx="0">
-            <a:schemeClr val="accent1"/>
-          </a:effectRef>
-          <a:fontRef idx="minor">
-            <a:schemeClr val="lt1"/>
-          </a:fontRef>
-        </p:style>
-        <p:txBody>
-          <a:bodyPr rtlCol="0" anchor="ctr"/>
-          <a:lstStyle/>
-          <a:p>
-            <a:pPr algn="ctr"/>
-            <a:endParaRPr lang="en-US"/>
-          </a:p>
-        </p:txBody>
-      </p:sp>
-    </p:spTree>
-    <p:extLst>
-      <p:ext uri="{BB962C8B-B14F-4D97-AF65-F5344CB8AC3E}">
-        <p14:creationId xmlns:p14="http://schemas.microsoft.com/office/powerpoint/2010/main" val="932369478"/>
-      </p:ext>
-    </p:extLst>
-  </p:cSld>
-  <p:clrMapOvr>
-    <a:overrideClrMapping bg1="dk1" tx1="lt1" bg2="dk2" tx2="lt2" accent1="accent1" accent2="accent2" accent3="accent3" accent4="accent4" accent5="accent5" accent6="accent6" hlink="hlink" folHlink="folHlink"/>
-  </p:clrMapOvr>
-  <p:transition spd="slow">
-    <p:push dir="u"/>
-  </p:transition>
-  <p:timing>
-    <p:tnLst>
-      <p:par>
-        <p:cTn id="1" dur="indefinite" restart="never" nodeType="tmRoot">
-          <p:childTnLst>
-            <p:seq concurrent="1" nextAc="seek">
-              <p:cTn id="2" dur="indefinite" nodeType="mainSeq">
-                <p:childTnLst>
-                  <p:par>
-                    <p:cTn id="3" fill="hold">
-                      <p:stCondLst>
-                        <p:cond delay="indefinite"/>
-                        <p:cond evt="onBegin" delay="0">
-                          <p:tn val="2"/>
-                        </p:cond>
-                      </p:stCondLst>
-                      <p:childTnLst>
-                        <p:par>
-                          <p:cTn id="4" fill="hold">
-                            <p:stCondLst>
-                              <p:cond delay="0"/>
-                            </p:stCondLst>
-                            <p:childTnLst>
-                              <p:par>
-                                <p:cTn id="5" presetID="10" presetClass="entr" presetSubtype="0" fill="hold" grpId="0" nodeType="afterEffect">
-                                  <p:stCondLst>
-                                    <p:cond delay="0"/>
-                                  </p:stCondLst>
-                                  <p:childTnLst>
-                                    <p:set>
-                                      <p:cBhvr>
-                                        <p:cTn id="6" dur="1" fill="hold">
-                                          <p:stCondLst>
-                                            <p:cond delay="0"/>
-                                          </p:stCondLst>
-                                        </p:cTn>
-                                        <p:tgtEl>
-                                          <p:spTgt spid="2"/>
-                                        </p:tgtEl>
-                                        <p:attrNameLst>
-                                          <p:attrName>style.visibility</p:attrName>
-                                        </p:attrNameLst>
-                                      </p:cBhvr>
-                                      <p:to>
-                                        <p:strVal val="visible"/>
-                                      </p:to>
-                                    </p:set>
-                                    <p:animEffect transition="in" filter="fade">
-                                      <p:cBhvr>
-                                        <p:cTn id="7" dur="500"/>
-                                        <p:tgtEl>
-                                          <p:spTgt spid="2"/>
-                                        </p:tgtEl>
-                                      </p:cBhvr>
-                                    </p:animEffect>
-                                  </p:childTnLst>
-                                </p:cTn>
-                              </p:par>
-                            </p:childTnLst>
-                          </p:cTn>
-                        </p:par>
-                        <p:par>
-                          <p:cTn id="8" fill="hold">
-                            <p:stCondLst>
-                              <p:cond delay="500"/>
-                            </p:stCondLst>
-                            <p:childTnLst>
-                              <p:par>
-                                <p:cTn id="9" presetID="10" presetClass="entr" presetSubtype="0" fill="hold" grpId="0" nodeType="afterEffect">
-                                  <p:stCondLst>
-                                    <p:cond delay="0"/>
-                                  </p:stCondLst>
-                                  <p:childTnLst>
-                                    <p:set>
-                                      <p:cBhvr>
-                                        <p:cTn id="10" dur="1" fill="hold">
-                                          <p:stCondLst>
-                                            <p:cond delay="0"/>
-                                          </p:stCondLst>
-                                        </p:cTn>
-                                        <p:tgtEl>
-                                          <p:spTgt spid="3">
-                                            <p:txEl>
-                                              <p:pRg st="0" end="0"/>
-                                            </p:txEl>
-                                          </p:spTgt>
-                                        </p:tgtEl>
-                                        <p:attrNameLst>
-                                          <p:attrName>style.visibility</p:attrName>
-                                        </p:attrNameLst>
-                                      </p:cBhvr>
-                                      <p:to>
-                                        <p:strVal val="visible"/>
-                                      </p:to>
-                                    </p:set>
-                                    <p:animEffect transition="in" filter="fade">
-                                      <p:cBhvr>
-                                        <p:cTn id="11" dur="500"/>
-                                        <p:tgtEl>
-                                          <p:spTgt spid="3">
-                                            <p:txEl>
-                                              <p:pRg st="0" end="0"/>
-                                            </p:txEl>
-                                          </p:spTgt>
-                                        </p:tgtEl>
-                                      </p:cBhvr>
-                                    </p:animEffect>
-                                  </p:childTnLst>
-                                </p:cTn>
-                              </p:par>
-                            </p:childTnLst>
-                          </p:cTn>
-                        </p:par>
-                      </p:childTnLst>
-                    </p:cTn>
-                  </p:par>
-                </p:childTnLst>
-              </p:cTn>
-              <p:prevCondLst>
-                <p:cond evt="onPrev" delay="0">
-                  <p:tgtEl>
-                    <p:sldTgt/>
-                  </p:tgtEl>
-                </p:cond>
-              </p:prevCondLst>
-              <p:nextCondLst>
-                <p:cond evt="onNext" delay="0">
-                  <p:tgtEl>
-                    <p:sldTgt/>
-                  </p:tgtEl>
-                </p:cond>
-              </p:nextCondLst>
-            </p:seq>
-          </p:childTnLst>
-        </p:cTn>
-      </p:par>
-    </p:tnLst>
-    <p:bldLst>
-      <p:bldP spid="2" grpId="0"/>
-      <p:bldP spid="3" grpId="0" build="p"/>
-    </p:bldLst>
-  </p:timing>
-</p:sld>
-</file>
-
-<file path=ppt/slides/slide10.xml><?xml version="1.0" encoding="utf-8"?>
-<p:sld xmlns:a="http://schemas.openxmlformats.org/drawingml/2006/main" xmlns:r="http://schemas.openxmlformats.org/officeDocument/2006/relationships" xmlns:p="http://schemas.openxmlformats.org/presentationml/2006/main">
-  <p:cSld>
-    <p:spTree>
-      <p:nvGrpSpPr>
-        <p:cNvPr id="1" name=""/>
-        <p:cNvGrpSpPr/>
-        <p:nvPr/>
-      </p:nvGrpSpPr>
-      <p:grpSpPr>
-        <a:xfrm>
-          <a:off x="0" y="0"/>
-          <a:ext cx="0" cy="0"/>
-          <a:chOff x="0" y="0"/>
-          <a:chExt cx="0" cy="0"/>
-        </a:xfrm>
-      </p:grpSpPr>
-      <p:sp>
-        <p:nvSpPr>
-          <p:cNvPr id="2" name="Tartalom helye 2">
-            <a:extLst>
-              <a:ext uri="{FF2B5EF4-FFF2-40B4-BE49-F238E27FC236}">
-                <a16:creationId xmlns:a16="http://schemas.microsoft.com/office/drawing/2014/main" id="{30E65E9E-08A0-55CC-39B5-608BF9167F52}"/>
-              </a:ext>
-            </a:extLst>
-          </p:cNvPr>
-          <p:cNvSpPr txBox="1">
-            <a:spLocks/>
-          </p:cNvSpPr>
-          <p:nvPr/>
-        </p:nvSpPr>
-        <p:spPr>
-          <a:xfrm>
-            <a:off x="838200" y="1871195"/>
-            <a:ext cx="10515600" cy="4251960"/>
-          </a:xfrm>
-          <a:prstGeom prst="rect">
-            <a:avLst/>
-          </a:prstGeom>
-        </p:spPr>
-        <p:txBody>
-          <a:bodyPr/>
-          <a:lstStyle>
-            <a:lvl1pPr marL="228600" indent="-228600" algn="l" defTabSz="914400" rtl="0" eaLnBrk="1" latinLnBrk="0" hangingPunct="1">
-              <a:lnSpc>
-                <a:spcPct val="110000"/>
-              </a:lnSpc>
-              <a:spcBef>
-                <a:spcPts val="1000"/>
-              </a:spcBef>
-              <a:buFont typeface="Arial" panose="020B0604020202020204" pitchFamily="34" charset="0"/>
-              <a:buChar char="•"/>
-              <a:defRPr sz="3200" kern="1200">
-                <a:solidFill>
-                  <a:schemeClr val="tx1"/>
-                </a:solidFill>
-                <a:latin typeface="+mn-lt"/>
-                <a:ea typeface="+mn-ea"/>
-                <a:cs typeface="+mn-cs"/>
-              </a:defRPr>
-            </a:lvl1pPr>
-            <a:lvl2pPr marL="685800" indent="-228600" algn="l" defTabSz="914400" rtl="0" eaLnBrk="1" latinLnBrk="0" hangingPunct="1">
-              <a:lnSpc>
-                <a:spcPct val="110000"/>
-              </a:lnSpc>
-              <a:spcBef>
-                <a:spcPts val="500"/>
-              </a:spcBef>
-              <a:buFont typeface="Arial" panose="020B0604020202020204" pitchFamily="34" charset="0"/>
-              <a:buChar char="•"/>
-              <a:defRPr sz="2800" kern="1200">
-                <a:solidFill>
-                  <a:schemeClr val="tx1"/>
-                </a:solidFill>
-                <a:latin typeface="+mn-lt"/>
-                <a:ea typeface="+mn-ea"/>
-                <a:cs typeface="+mn-cs"/>
-              </a:defRPr>
-            </a:lvl2pPr>
-            <a:lvl3pPr marL="1143000" indent="-228600" algn="l" defTabSz="914400" rtl="0" eaLnBrk="1" latinLnBrk="0" hangingPunct="1">
-              <a:lnSpc>
-                <a:spcPct val="110000"/>
-              </a:lnSpc>
-              <a:spcBef>
-                <a:spcPts val="500"/>
-              </a:spcBef>
-              <a:buFont typeface="Arial" panose="020B0604020202020204" pitchFamily="34" charset="0"/>
-              <a:buChar char="•"/>
-              <a:defRPr sz="2400" kern="1200">
-                <a:solidFill>
-                  <a:schemeClr val="tx1"/>
-                </a:solidFill>
-                <a:latin typeface="+mn-lt"/>
-                <a:ea typeface="+mn-ea"/>
-                <a:cs typeface="+mn-cs"/>
-              </a:defRPr>
-            </a:lvl3pPr>
-            <a:lvl4pPr marL="1600200" indent="-228600" algn="l" defTabSz="914400" rtl="0" eaLnBrk="1" latinLnBrk="0" hangingPunct="1">
-              <a:lnSpc>
-                <a:spcPct val="110000"/>
-              </a:lnSpc>
-              <a:spcBef>
-                <a:spcPts val="500"/>
-              </a:spcBef>
-              <a:buFont typeface="Arial" panose="020B0604020202020204" pitchFamily="34" charset="0"/>
-              <a:buChar char="•"/>
-              <a:defRPr sz="2000" kern="1200">
-                <a:solidFill>
-                  <a:schemeClr val="tx1"/>
-                </a:solidFill>
-                <a:latin typeface="+mn-lt"/>
-                <a:ea typeface="+mn-ea"/>
-                <a:cs typeface="+mn-cs"/>
-              </a:defRPr>
-            </a:lvl4pPr>
-            <a:lvl5pPr marL="2057400" indent="-228600" algn="l" defTabSz="914400" rtl="0" eaLnBrk="1" latinLnBrk="0" hangingPunct="1">
-              <a:lnSpc>
-                <a:spcPct val="110000"/>
-              </a:lnSpc>
-              <a:spcBef>
-                <a:spcPts val="500"/>
-              </a:spcBef>
-              <a:buFont typeface="Arial" panose="020B0604020202020204" pitchFamily="34" charset="0"/>
-              <a:buChar char="•"/>
-              <a:defRPr sz="2000" kern="1200">
-                <a:solidFill>
-                  <a:schemeClr val="tx1"/>
-                </a:solidFill>
-                <a:latin typeface="+mn-lt"/>
-                <a:ea typeface="+mn-ea"/>
-                <a:cs typeface="+mn-cs"/>
-              </a:defRPr>
-            </a:lvl5pPr>
-            <a:lvl6pPr marL="2514600" indent="-228600" algn="l" defTabSz="914400" rtl="0" eaLnBrk="1" latinLnBrk="0" hangingPunct="1">
-              <a:lnSpc>
-                <a:spcPct val="90000"/>
-              </a:lnSpc>
-              <a:spcBef>
-                <a:spcPts val="500"/>
-              </a:spcBef>
-              <a:buFont typeface="Arial" panose="020B0604020202020204" pitchFamily="34" charset="0"/>
-              <a:buChar char="•"/>
-              <a:defRPr sz="1800" kern="1200">
-                <a:solidFill>
-                  <a:schemeClr val="tx1"/>
-                </a:solidFill>
-                <a:latin typeface="+mn-lt"/>
-                <a:ea typeface="+mn-ea"/>
-                <a:cs typeface="+mn-cs"/>
-              </a:defRPr>
-            </a:lvl6pPr>
-            <a:lvl7pPr marL="2971800" indent="-228600" algn="l" defTabSz="914400" rtl="0" eaLnBrk="1" latinLnBrk="0" hangingPunct="1">
-              <a:lnSpc>
-                <a:spcPct val="90000"/>
-              </a:lnSpc>
-              <a:spcBef>
-                <a:spcPts val="500"/>
-              </a:spcBef>
-              <a:buFont typeface="Arial" panose="020B0604020202020204" pitchFamily="34" charset="0"/>
-              <a:buChar char="•"/>
-              <a:defRPr sz="1800" kern="1200">
-                <a:solidFill>
-                  <a:schemeClr val="tx1"/>
-                </a:solidFill>
-                <a:latin typeface="+mn-lt"/>
-                <a:ea typeface="+mn-ea"/>
-                <a:cs typeface="+mn-cs"/>
-              </a:defRPr>
-            </a:lvl7pPr>
-            <a:lvl8pPr marL="3429000" indent="-228600" algn="l" defTabSz="914400" rtl="0" eaLnBrk="1" latinLnBrk="0" hangingPunct="1">
-              <a:lnSpc>
-                <a:spcPct val="90000"/>
-              </a:lnSpc>
-              <a:spcBef>
-                <a:spcPts val="500"/>
-              </a:spcBef>
-              <a:buFont typeface="Arial" panose="020B0604020202020204" pitchFamily="34" charset="0"/>
-              <a:buChar char="•"/>
-              <a:defRPr sz="1800" kern="1200">
-                <a:solidFill>
-                  <a:schemeClr val="tx1"/>
-                </a:solidFill>
-                <a:latin typeface="+mn-lt"/>
-                <a:ea typeface="+mn-ea"/>
-                <a:cs typeface="+mn-cs"/>
-              </a:defRPr>
-            </a:lvl8pPr>
-            <a:lvl9pPr marL="3886200" indent="-228600" algn="l" defTabSz="914400" rtl="0" eaLnBrk="1" latinLnBrk="0" hangingPunct="1">
-              <a:lnSpc>
-                <a:spcPct val="90000"/>
-              </a:lnSpc>
-              <a:spcBef>
-                <a:spcPts val="500"/>
-              </a:spcBef>
-              <a:buFont typeface="Arial" panose="020B0604020202020204" pitchFamily="34" charset="0"/>
-              <a:buChar char="•"/>
-              <a:defRPr sz="1800" kern="1200">
-                <a:solidFill>
-                  <a:schemeClr val="tx1"/>
-                </a:solidFill>
-                <a:latin typeface="+mn-lt"/>
-                <a:ea typeface="+mn-ea"/>
-                <a:cs typeface="+mn-cs"/>
-              </a:defRPr>
-            </a:lvl9pPr>
-          </a:lstStyle>
-          <a:p>
-            <a:r>
-              <a:rPr lang="hu-HU" dirty="0">
-                <a:solidFill>
-                  <a:schemeClr val="bg1"/>
-                </a:solidFill>
-                <a:latin typeface="Calibri" panose="020F0502020204030204" pitchFamily="34" charset="0"/>
-                <a:cs typeface="Calibri" panose="020F0502020204030204" pitchFamily="34" charset="0"/>
-              </a:rPr>
-              <a:t>3. </a:t>
-            </a:r>
-            <a:r>
-              <a:rPr lang="hu-HU" dirty="0">
-                <a:solidFill>
-                  <a:schemeClr val="bg1"/>
-                </a:solidFill>
-                <a:latin typeface="Calibri" panose="020F0502020204030204" pitchFamily="34" charset="0"/>
-                <a:cs typeface="Calibri" panose="020F0502020204030204" pitchFamily="34" charset="0"/>
-                <a:hlinkClick r:id="rId2"/>
-              </a:rPr>
-              <a:t>linkedin.com</a:t>
-            </a:r>
-            <a:endParaRPr lang="hu-HU" dirty="0">
-              <a:solidFill>
-                <a:schemeClr val="bg1"/>
-              </a:solidFill>
-              <a:latin typeface="Calibri" panose="020F0502020204030204" pitchFamily="34" charset="0"/>
-              <a:cs typeface="Calibri" panose="020F0502020204030204" pitchFamily="34" charset="0"/>
-            </a:endParaRPr>
-          </a:p>
-          <a:p>
-            <a:r>
-              <a:rPr lang="hu-HU" dirty="0">
-                <a:solidFill>
-                  <a:schemeClr val="bg1"/>
-                </a:solidFill>
-                <a:latin typeface="Calibri" panose="020F0502020204030204" pitchFamily="34" charset="0"/>
-                <a:cs typeface="Calibri" panose="020F0502020204030204" pitchFamily="34" charset="0"/>
-              </a:rPr>
-              <a:t>4. </a:t>
-            </a:r>
-            <a:r>
-              <a:rPr lang="hu-HU" dirty="0">
-                <a:solidFill>
-                  <a:schemeClr val="bg1"/>
-                </a:solidFill>
-                <a:latin typeface="Calibri" panose="020F0502020204030204" pitchFamily="34" charset="0"/>
-                <a:cs typeface="Calibri" panose="020F0502020204030204" pitchFamily="34" charset="0"/>
-                <a:hlinkClick r:id="rId3"/>
-              </a:rPr>
-              <a:t>beaune-tourism.com</a:t>
-            </a:r>
-            <a:endParaRPr lang="hu-HU" dirty="0">
-              <a:solidFill>
-                <a:schemeClr val="bg1"/>
-              </a:solidFill>
-              <a:latin typeface="Calibri" panose="020F0502020204030204" pitchFamily="34" charset="0"/>
-              <a:cs typeface="Calibri" panose="020F0502020204030204" pitchFamily="34" charset="0"/>
-            </a:endParaRPr>
-          </a:p>
-          <a:p>
-            <a:r>
-              <a:rPr lang="hu-HU" dirty="0">
-                <a:solidFill>
-                  <a:schemeClr val="bg1"/>
-                </a:solidFill>
-                <a:latin typeface="Calibri" panose="020F0502020204030204" pitchFamily="34" charset="0"/>
-                <a:cs typeface="Calibri" panose="020F0502020204030204" pitchFamily="34" charset="0"/>
-              </a:rPr>
-              <a:t>5. </a:t>
-            </a:r>
-            <a:r>
-              <a:rPr lang="hu-HU" dirty="0">
-                <a:solidFill>
-                  <a:schemeClr val="bg1"/>
-                </a:solidFill>
-                <a:latin typeface="Calibri" panose="020F0502020204030204" pitchFamily="34" charset="0"/>
-                <a:cs typeface="Calibri" panose="020F0502020204030204" pitchFamily="34" charset="0"/>
-                <a:hlinkClick r:id="rId4"/>
-              </a:rPr>
-              <a:t>livejapan.com</a:t>
-            </a:r>
-            <a:endParaRPr lang="hu-HU" dirty="0">
-              <a:solidFill>
-                <a:schemeClr val="bg1"/>
-              </a:solidFill>
-              <a:latin typeface="Calibri" panose="020F0502020204030204" pitchFamily="34" charset="0"/>
-              <a:cs typeface="Calibri" panose="020F0502020204030204" pitchFamily="34" charset="0"/>
-            </a:endParaRPr>
-          </a:p>
-          <a:p>
-            <a:r>
-              <a:rPr lang="hu-HU" dirty="0">
-                <a:solidFill>
-                  <a:schemeClr val="bg1"/>
-                </a:solidFill>
-                <a:latin typeface="Calibri" panose="020F0502020204030204" pitchFamily="34" charset="0"/>
-                <a:cs typeface="Calibri" panose="020F0502020204030204" pitchFamily="34" charset="0"/>
-              </a:rPr>
-              <a:t>6. </a:t>
-            </a:r>
-            <a:r>
-              <a:rPr lang="hu-HU" dirty="0">
-                <a:solidFill>
-                  <a:schemeClr val="bg1"/>
-                </a:solidFill>
-                <a:latin typeface="Calibri" panose="020F0502020204030204" pitchFamily="34" charset="0"/>
-                <a:cs typeface="Calibri" panose="020F0502020204030204" pitchFamily="34" charset="0"/>
-                <a:hlinkClick r:id="rId5"/>
-              </a:rPr>
-              <a:t>magyarbusz.info</a:t>
-            </a:r>
-            <a:endParaRPr lang="hu-HU" dirty="0">
-              <a:solidFill>
-                <a:schemeClr val="bg1"/>
-              </a:solidFill>
-              <a:latin typeface="Calibri" panose="020F0502020204030204" pitchFamily="34" charset="0"/>
-              <a:cs typeface="Calibri" panose="020F0502020204030204" pitchFamily="34" charset="0"/>
-            </a:endParaRPr>
-          </a:p>
-          <a:p>
-            <a:r>
-              <a:rPr lang="hu-HU" dirty="0">
-                <a:solidFill>
-                  <a:schemeClr val="bg1"/>
-                </a:solidFill>
-                <a:latin typeface="Calibri" panose="020F0502020204030204" pitchFamily="34" charset="0"/>
-                <a:cs typeface="Calibri" panose="020F0502020204030204" pitchFamily="34" charset="0"/>
-              </a:rPr>
-              <a:t>7. </a:t>
-            </a:r>
-            <a:r>
-              <a:rPr lang="hu-HU" dirty="0">
-                <a:solidFill>
-                  <a:schemeClr val="bg1"/>
-                </a:solidFill>
-                <a:latin typeface="Calibri" panose="020F0502020204030204" pitchFamily="34" charset="0"/>
-                <a:cs typeface="Calibri" panose="020F0502020204030204" pitchFamily="34" charset="0"/>
-                <a:hlinkClick r:id="rId6"/>
-              </a:rPr>
-              <a:t>blog.myfitnesspal.com</a:t>
-            </a:r>
-            <a:endParaRPr lang="hu-HU" dirty="0">
-              <a:solidFill>
-                <a:schemeClr val="bg1"/>
-              </a:solidFill>
-              <a:latin typeface="Calibri" panose="020F0502020204030204" pitchFamily="34" charset="0"/>
-              <a:cs typeface="Calibri" panose="020F0502020204030204" pitchFamily="34" charset="0"/>
-            </a:endParaRPr>
-          </a:p>
-          <a:p>
-            <a:r>
-              <a:rPr lang="hu-HU" dirty="0">
-                <a:solidFill>
-                  <a:schemeClr val="bg1"/>
-                </a:solidFill>
-                <a:latin typeface="Calibri" panose="020F0502020204030204" pitchFamily="34" charset="0"/>
-                <a:cs typeface="Calibri" panose="020F0502020204030204" pitchFamily="34" charset="0"/>
-              </a:rPr>
-              <a:t>8. </a:t>
-            </a:r>
-            <a:r>
-              <a:rPr lang="hu-HU" dirty="0">
-                <a:solidFill>
-                  <a:schemeClr val="bg1"/>
-                </a:solidFill>
-                <a:latin typeface="Calibri" panose="020F0502020204030204" pitchFamily="34" charset="0"/>
-                <a:cs typeface="Calibri" panose="020F0502020204030204" pitchFamily="34" charset="0"/>
-                <a:hlinkClick r:id="rId7"/>
-              </a:rPr>
-              <a:t>justbudapest.com</a:t>
-            </a:r>
-            <a:endParaRPr lang="en-GB" dirty="0">
-              <a:solidFill>
-                <a:schemeClr val="bg1"/>
-              </a:solidFill>
-              <a:latin typeface="Calibri" panose="020F0502020204030204" pitchFamily="34" charset="0"/>
-              <a:cs typeface="Calibri" panose="020F0502020204030204" pitchFamily="34" charset="0"/>
-            </a:endParaRPr>
-          </a:p>
-        </p:txBody>
-      </p:sp>
-      <p:sp>
-        <p:nvSpPr>
-          <p:cNvPr id="3" name="Cím 1">
-            <a:extLst>
-              <a:ext uri="{FF2B5EF4-FFF2-40B4-BE49-F238E27FC236}">
-                <a16:creationId xmlns:a16="http://schemas.microsoft.com/office/drawing/2014/main" id="{F90AB876-FC2E-F78C-CD05-FC3D06399F91}"/>
-              </a:ext>
-            </a:extLst>
-          </p:cNvPr>
-          <p:cNvSpPr txBox="1">
-            <a:spLocks/>
-          </p:cNvSpPr>
-          <p:nvPr/>
-        </p:nvSpPr>
-        <p:spPr>
-          <a:xfrm>
-            <a:off x="839788" y="365125"/>
-            <a:ext cx="10515600" cy="1325563"/>
-          </a:xfrm>
-          <a:prstGeom prst="rect">
-            <a:avLst/>
-          </a:prstGeom>
-        </p:spPr>
-        <p:txBody>
-          <a:bodyPr/>
-          <a:lstStyle>
-            <a:lvl1pPr algn="l" defTabSz="914400" rtl="0" eaLnBrk="1" latinLnBrk="0" hangingPunct="1">
-              <a:lnSpc>
-                <a:spcPct val="100000"/>
-              </a:lnSpc>
-              <a:spcBef>
-                <a:spcPct val="0"/>
-              </a:spcBef>
-              <a:buNone/>
-              <a:defRPr sz="4800" kern="1200">
-                <a:solidFill>
-                  <a:schemeClr val="tx1"/>
-                </a:solidFill>
-                <a:latin typeface="+mj-lt"/>
-                <a:ea typeface="+mj-ea"/>
-                <a:cs typeface="+mj-cs"/>
-              </a:defRPr>
-            </a:lvl1pPr>
-          </a:lstStyle>
-          <a:p>
-            <a:r>
-              <a:rPr lang="hu-HU" dirty="0" err="1">
-                <a:solidFill>
-                  <a:schemeClr val="bg1"/>
-                </a:solidFill>
-                <a:latin typeface="Calibri" panose="020F0502020204030204" pitchFamily="34" charset="0"/>
-                <a:cs typeface="Calibri" panose="020F0502020204030204" pitchFamily="34" charset="0"/>
-              </a:rPr>
-              <a:t>Sources</a:t>
-            </a:r>
-            <a:endParaRPr lang="en-GB" dirty="0">
-              <a:solidFill>
-                <a:schemeClr val="bg1"/>
-              </a:solidFill>
-              <a:latin typeface="Calibri" panose="020F0502020204030204" pitchFamily="34" charset="0"/>
-              <a:cs typeface="Calibri" panose="020F0502020204030204" pitchFamily="34" charset="0"/>
-            </a:endParaRPr>
-          </a:p>
-        </p:txBody>
-      </p:sp>
-    </p:spTree>
-    <p:extLst>
-      <p:ext uri="{BB962C8B-B14F-4D97-AF65-F5344CB8AC3E}">
-        <p14:creationId xmlns:p14="http://schemas.microsoft.com/office/powerpoint/2010/main" val="490320284"/>
-      </p:ext>
-    </p:extLst>
-  </p:cSld>
-  <p:clrMapOvr>
-    <a:masterClrMapping/>
-  </p:clrMapOvr>
-  <p:transition spd="slow">
-    <p:push dir="u"/>
-  </p:transition>
-</p:sld>
-</file>
-
-<file path=ppt/slides/slide2.xml><?xml version="1.0" encoding="utf-8"?>
-<p:sld xmlns:a="http://schemas.openxmlformats.org/drawingml/2006/main" xmlns:r="http://schemas.openxmlformats.org/officeDocument/2006/relationships" xmlns:p="http://schemas.openxmlformats.org/presentationml/2006/main">
-  <p:cSld>
-    <p:spTree>
-      <p:nvGrpSpPr>
-        <p:cNvPr id="1" name=""/>
-        <p:cNvGrpSpPr/>
-        <p:nvPr/>
-      </p:nvGrpSpPr>
-      <p:grpSpPr>
-        <a:xfrm>
-          <a:off x="0" y="0"/>
-          <a:ext cx="0" cy="0"/>
-          <a:chOff x="0" y="0"/>
-          <a:chExt cx="0" cy="0"/>
-        </a:xfrm>
-      </p:grpSpPr>
-      <p:sp useBgFill="1">
-        <p:nvSpPr>
-          <p:cNvPr id="12" name="Rectangle 11">
-            <a:extLst>
-              <a:ext uri="{FF2B5EF4-FFF2-40B4-BE49-F238E27FC236}">
-                <a16:creationId xmlns:a16="http://schemas.microsoft.com/office/drawing/2014/main" id="{1A9F7B4E-B03D-4F64-BE33-00D074458D45}"/>
-              </a:ext>
-              <a:ext uri="{C183D7F6-B498-43B3-948B-1728B52AA6E4}">
-                <adec:decorative xmlns:adec="http://schemas.microsoft.com/office/drawing/2017/decorative" val="1"/>
-              </a:ext>
-            </a:extLst>
-          </p:cNvPr>
-          <p:cNvSpPr>
-            <a:spLocks noGrp="1" noRot="1" noChangeAspect="1" noMove="1" noResize="1" noEditPoints="1" noAdjustHandles="1" noChangeArrowheads="1" noChangeShapeType="1" noTextEdit="1"/>
-          </p:cNvSpPr>
-          <p:nvPr>
-            <p:extLst>
-              <p:ext uri="{386F3935-93C4-4BCD-93E2-E3B085C9AB24}">
-                <p16:designElem xmlns:p16="http://schemas.microsoft.com/office/powerpoint/2015/main" val="1"/>
-              </p:ext>
-            </p:extLst>
-          </p:nvPr>
-        </p:nvSpPr>
-        <p:spPr>
-          <a:xfrm>
-            <a:off x="0" y="0"/>
-            <a:ext cx="12188952" cy="6858000"/>
-          </a:xfrm>
-          <a:prstGeom prst="rect">
-            <a:avLst/>
-          </a:prstGeom>
-          <a:ln>
-            <a:noFill/>
-          </a:ln>
-        </p:spPr>
-        <p:style>
-          <a:lnRef idx="2">
-            <a:schemeClr val="accent1">
-              <a:shade val="50000"/>
-            </a:schemeClr>
-          </a:lnRef>
-          <a:fillRef idx="1">
-            <a:schemeClr val="accent1"/>
-          </a:fillRef>
-          <a:effectRef idx="0">
-            <a:schemeClr val="accent1"/>
-          </a:effectRef>
-          <a:fontRef idx="minor">
-            <a:schemeClr val="lt1"/>
-          </a:fontRef>
-        </p:style>
-        <p:txBody>
-          <a:bodyPr rtlCol="0" anchor="ctr"/>
-          <a:lstStyle/>
-          <a:p>
-            <a:pPr algn="ctr"/>
-            <a:endParaRPr lang="en-US"/>
-          </a:p>
-        </p:txBody>
-      </p:sp>
-      <p:sp>
-        <p:nvSpPr>
-          <p:cNvPr id="14" name="Rectangle 6">
-            <a:extLst>
-              <a:ext uri="{FF2B5EF4-FFF2-40B4-BE49-F238E27FC236}">
-                <a16:creationId xmlns:a16="http://schemas.microsoft.com/office/drawing/2014/main" id="{1CA8A97F-67F0-4D5F-A850-0C30727D1CE3}"/>
-              </a:ext>
-              <a:ext uri="{C183D7F6-B498-43B3-948B-1728B52AA6E4}">
-                <adec:decorative xmlns:adec="http://schemas.microsoft.com/office/drawing/2017/decorative" val="1"/>
-              </a:ext>
-            </a:extLst>
-          </p:cNvPr>
-          <p:cNvSpPr>
-            <a:spLocks noGrp="1" noRot="1" noChangeAspect="1" noMove="1" noResize="1" noEditPoints="1" noAdjustHandles="1" noChangeArrowheads="1" noChangeShapeType="1" noTextEdit="1"/>
-          </p:cNvSpPr>
-          <p:nvPr>
-            <p:extLst>
-              <p:ext uri="{386F3935-93C4-4BCD-93E2-E3B085C9AB24}">
-                <p16:designElem xmlns:p16="http://schemas.microsoft.com/office/powerpoint/2015/main" val="1"/>
-              </p:ext>
-            </p:extLst>
-          </p:nvPr>
-        </p:nvSpPr>
-        <p:spPr>
-          <a:xfrm>
-            <a:off x="765578" y="1802192"/>
-            <a:ext cx="10853928" cy="18288"/>
-          </a:xfrm>
-          <a:custGeom>
-            <a:avLst/>
-            <a:gdLst>
-              <a:gd name="connsiteX0" fmla="*/ 0 w 10853928"/>
-              <a:gd name="connsiteY0" fmla="*/ 0 h 18288"/>
-              <a:gd name="connsiteX1" fmla="*/ 461292 w 10853928"/>
-              <a:gd name="connsiteY1" fmla="*/ 0 h 18288"/>
-              <a:gd name="connsiteX2" fmla="*/ 1139662 w 10853928"/>
-              <a:gd name="connsiteY2" fmla="*/ 0 h 18288"/>
-              <a:gd name="connsiteX3" fmla="*/ 1926572 w 10853928"/>
-              <a:gd name="connsiteY3" fmla="*/ 0 h 18288"/>
-              <a:gd name="connsiteX4" fmla="*/ 2279325 w 10853928"/>
-              <a:gd name="connsiteY4" fmla="*/ 0 h 18288"/>
-              <a:gd name="connsiteX5" fmla="*/ 2632078 w 10853928"/>
-              <a:gd name="connsiteY5" fmla="*/ 0 h 18288"/>
-              <a:gd name="connsiteX6" fmla="*/ 3527527 w 10853928"/>
-              <a:gd name="connsiteY6" fmla="*/ 0 h 18288"/>
-              <a:gd name="connsiteX7" fmla="*/ 4205897 w 10853928"/>
-              <a:gd name="connsiteY7" fmla="*/ 0 h 18288"/>
-              <a:gd name="connsiteX8" fmla="*/ 4558650 w 10853928"/>
-              <a:gd name="connsiteY8" fmla="*/ 0 h 18288"/>
-              <a:gd name="connsiteX9" fmla="*/ 5237020 w 10853928"/>
-              <a:gd name="connsiteY9" fmla="*/ 0 h 18288"/>
-              <a:gd name="connsiteX10" fmla="*/ 6132469 w 10853928"/>
-              <a:gd name="connsiteY10" fmla="*/ 0 h 18288"/>
-              <a:gd name="connsiteX11" fmla="*/ 6702301 w 10853928"/>
-              <a:gd name="connsiteY11" fmla="*/ 0 h 18288"/>
-              <a:gd name="connsiteX12" fmla="*/ 7272132 w 10853928"/>
-              <a:gd name="connsiteY12" fmla="*/ 0 h 18288"/>
-              <a:gd name="connsiteX13" fmla="*/ 7950502 w 10853928"/>
-              <a:gd name="connsiteY13" fmla="*/ 0 h 18288"/>
-              <a:gd name="connsiteX14" fmla="*/ 8737412 w 10853928"/>
-              <a:gd name="connsiteY14" fmla="*/ 0 h 18288"/>
-              <a:gd name="connsiteX15" fmla="*/ 9524322 w 10853928"/>
-              <a:gd name="connsiteY15" fmla="*/ 0 h 18288"/>
-              <a:gd name="connsiteX16" fmla="*/ 10853928 w 10853928"/>
-              <a:gd name="connsiteY16" fmla="*/ 0 h 18288"/>
-              <a:gd name="connsiteX17" fmla="*/ 10853928 w 10853928"/>
-              <a:gd name="connsiteY17" fmla="*/ 18288 h 18288"/>
-              <a:gd name="connsiteX18" fmla="*/ 10392636 w 10853928"/>
-              <a:gd name="connsiteY18" fmla="*/ 18288 h 18288"/>
-              <a:gd name="connsiteX19" fmla="*/ 9497187 w 10853928"/>
-              <a:gd name="connsiteY19" fmla="*/ 18288 h 18288"/>
-              <a:gd name="connsiteX20" fmla="*/ 8818817 w 10853928"/>
-              <a:gd name="connsiteY20" fmla="*/ 18288 h 18288"/>
-              <a:gd name="connsiteX21" fmla="*/ 8466064 w 10853928"/>
-              <a:gd name="connsiteY21" fmla="*/ 18288 h 18288"/>
-              <a:gd name="connsiteX22" fmla="*/ 7787693 w 10853928"/>
-              <a:gd name="connsiteY22" fmla="*/ 18288 h 18288"/>
-              <a:gd name="connsiteX23" fmla="*/ 7217862 w 10853928"/>
-              <a:gd name="connsiteY23" fmla="*/ 18288 h 18288"/>
-              <a:gd name="connsiteX24" fmla="*/ 6648031 w 10853928"/>
-              <a:gd name="connsiteY24" fmla="*/ 18288 h 18288"/>
-              <a:gd name="connsiteX25" fmla="*/ 6078200 w 10853928"/>
-              <a:gd name="connsiteY25" fmla="*/ 18288 h 18288"/>
-              <a:gd name="connsiteX26" fmla="*/ 5508368 w 10853928"/>
-              <a:gd name="connsiteY26" fmla="*/ 18288 h 18288"/>
-              <a:gd name="connsiteX27" fmla="*/ 4721459 w 10853928"/>
-              <a:gd name="connsiteY27" fmla="*/ 18288 h 18288"/>
-              <a:gd name="connsiteX28" fmla="*/ 4043088 w 10853928"/>
-              <a:gd name="connsiteY28" fmla="*/ 18288 h 18288"/>
-              <a:gd name="connsiteX29" fmla="*/ 3690336 w 10853928"/>
-              <a:gd name="connsiteY29" fmla="*/ 18288 h 18288"/>
-              <a:gd name="connsiteX30" fmla="*/ 3120504 w 10853928"/>
-              <a:gd name="connsiteY30" fmla="*/ 18288 h 18288"/>
-              <a:gd name="connsiteX31" fmla="*/ 2333595 w 10853928"/>
-              <a:gd name="connsiteY31" fmla="*/ 18288 h 18288"/>
-              <a:gd name="connsiteX32" fmla="*/ 1872303 w 10853928"/>
-              <a:gd name="connsiteY32" fmla="*/ 18288 h 18288"/>
-              <a:gd name="connsiteX33" fmla="*/ 976854 w 10853928"/>
-              <a:gd name="connsiteY33" fmla="*/ 18288 h 18288"/>
-              <a:gd name="connsiteX34" fmla="*/ 0 w 10853928"/>
-              <a:gd name="connsiteY34" fmla="*/ 18288 h 18288"/>
-              <a:gd name="connsiteX35" fmla="*/ 0 w 10853928"/>
-              <a:gd name="connsiteY35" fmla="*/ 0 h 18288"/>
-            </a:gdLst>
-            <a:ahLst/>
-            <a:cxnLst>
-              <a:cxn ang="0">
-                <a:pos x="connsiteX0" y="connsiteY0"/>
-              </a:cxn>
-              <a:cxn ang="0">
-                <a:pos x="connsiteX1" y="connsiteY1"/>
-              </a:cxn>
-              <a:cxn ang="0">
-                <a:pos x="connsiteX2" y="connsiteY2"/>
-              </a:cxn>
-              <a:cxn ang="0">
-                <a:pos x="connsiteX3" y="connsiteY3"/>
-              </a:cxn>
-              <a:cxn ang="0">
-                <a:pos x="connsiteX4" y="connsiteY4"/>
-              </a:cxn>
-              <a:cxn ang="0">
-                <a:pos x="connsiteX5" y="connsiteY5"/>
-              </a:cxn>
-              <a:cxn ang="0">
-                <a:pos x="connsiteX6" y="connsiteY6"/>
-              </a:cxn>
-              <a:cxn ang="0">
-                <a:pos x="connsiteX7" y="connsiteY7"/>
-              </a:cxn>
-              <a:cxn ang="0">
-                <a:pos x="connsiteX8" y="connsiteY8"/>
-              </a:cxn>
-              <a:cxn ang="0">
-                <a:pos x="connsiteX9" y="connsiteY9"/>
-              </a:cxn>
-              <a:cxn ang="0">
-                <a:pos x="connsiteX10" y="connsiteY10"/>
-              </a:cxn>
-              <a:cxn ang="0">
-                <a:pos x="connsiteX11" y="connsiteY11"/>
-              </a:cxn>
-              <a:cxn ang="0">
-                <a:pos x="connsiteX12" y="connsiteY12"/>
-              </a:cxn>
-              <a:cxn ang="0">
-                <a:pos x="connsiteX13" y="connsiteY13"/>
-              </a:cxn>
-              <a:cxn ang="0">
-                <a:pos x="connsiteX14" y="connsiteY14"/>
-              </a:cxn>
-              <a:cxn ang="0">
-                <a:pos x="connsiteX15" y="connsiteY15"/>
-              </a:cxn>
-              <a:cxn ang="0">
-                <a:pos x="connsiteX16" y="connsiteY16"/>
-              </a:cxn>
-              <a:cxn ang="0">
-                <a:pos x="connsiteX17" y="connsiteY17"/>
-              </a:cxn>
-              <a:cxn ang="0">
-                <a:pos x="connsiteX18" y="connsiteY18"/>
-              </a:cxn>
-              <a:cxn ang="0">
-                <a:pos x="connsiteX19" y="connsiteY19"/>
-              </a:cxn>
-              <a:cxn ang="0">
-                <a:pos x="connsiteX20" y="connsiteY20"/>
-              </a:cxn>
-              <a:cxn ang="0">
-                <a:pos x="connsiteX21" y="connsiteY21"/>
-              </a:cxn>
-              <a:cxn ang="0">
-                <a:pos x="connsiteX22" y="connsiteY22"/>
-              </a:cxn>
-              <a:cxn ang="0">
-                <a:pos x="connsiteX23" y="connsiteY23"/>
-              </a:cxn>
-              <a:cxn ang="0">
-                <a:pos x="connsiteX24" y="connsiteY24"/>
-              </a:cxn>
-              <a:cxn ang="0">
-                <a:pos x="connsiteX25" y="connsiteY25"/>
-              </a:cxn>
-              <a:cxn ang="0">
-                <a:pos x="connsiteX26" y="connsiteY26"/>
-              </a:cxn>
-              <a:cxn ang="0">
-                <a:pos x="connsiteX27" y="connsiteY27"/>
-              </a:cxn>
-              <a:cxn ang="0">
-                <a:pos x="connsiteX28" y="connsiteY28"/>
-              </a:cxn>
-              <a:cxn ang="0">
-                <a:pos x="connsiteX29" y="connsiteY29"/>
-              </a:cxn>
-              <a:cxn ang="0">
-                <a:pos x="connsiteX30" y="connsiteY30"/>
-              </a:cxn>
-              <a:cxn ang="0">
-                <a:pos x="connsiteX31" y="connsiteY31"/>
-              </a:cxn>
-              <a:cxn ang="0">
-                <a:pos x="connsiteX32" y="connsiteY32"/>
-              </a:cxn>
-              <a:cxn ang="0">
-                <a:pos x="connsiteX33" y="connsiteY33"/>
-              </a:cxn>
-              <a:cxn ang="0">
-                <a:pos x="connsiteX34" y="connsiteY34"/>
-              </a:cxn>
-              <a:cxn ang="0">
-                <a:pos x="connsiteX35" y="connsiteY35"/>
-              </a:cxn>
-            </a:cxnLst>
-            <a:rect l="l" t="t" r="r" b="b"/>
-            <a:pathLst>
-              <a:path w="10853928" h="18288" fill="none" extrusionOk="0">
-                <a:moveTo>
-                  <a:pt x="0" y="0"/>
-                </a:moveTo>
-                <a:cubicBezTo>
-                  <a:pt x="146993" y="-19076"/>
-                  <a:pt x="347684" y="-4790"/>
-                  <a:pt x="461292" y="0"/>
-                </a:cubicBezTo>
-                <a:cubicBezTo>
-                  <a:pt x="574900" y="4790"/>
-                  <a:pt x="808367" y="19821"/>
-                  <a:pt x="1139662" y="0"/>
-                </a:cubicBezTo>
-                <a:cubicBezTo>
-                  <a:pt x="1470957" y="-19821"/>
-                  <a:pt x="1627405" y="5721"/>
-                  <a:pt x="1926572" y="0"/>
-                </a:cubicBezTo>
-                <a:cubicBezTo>
-                  <a:pt x="2225739" y="-5721"/>
-                  <a:pt x="2137730" y="-3235"/>
-                  <a:pt x="2279325" y="0"/>
-                </a:cubicBezTo>
-                <a:cubicBezTo>
-                  <a:pt x="2420920" y="3235"/>
-                  <a:pt x="2456518" y="9685"/>
-                  <a:pt x="2632078" y="0"/>
-                </a:cubicBezTo>
-                <a:cubicBezTo>
-                  <a:pt x="2807638" y="-9685"/>
-                  <a:pt x="3211516" y="-43007"/>
-                  <a:pt x="3527527" y="0"/>
-                </a:cubicBezTo>
-                <a:cubicBezTo>
-                  <a:pt x="3843538" y="43007"/>
-                  <a:pt x="4058833" y="22042"/>
-                  <a:pt x="4205897" y="0"/>
-                </a:cubicBezTo>
-                <a:cubicBezTo>
-                  <a:pt x="4352961" y="-22042"/>
-                  <a:pt x="4474805" y="-11846"/>
-                  <a:pt x="4558650" y="0"/>
-                </a:cubicBezTo>
-                <a:cubicBezTo>
-                  <a:pt x="4642495" y="11846"/>
-                  <a:pt x="5041928" y="-6069"/>
-                  <a:pt x="5237020" y="0"/>
-                </a:cubicBezTo>
-                <a:cubicBezTo>
-                  <a:pt x="5432112" y="6069"/>
-                  <a:pt x="5943266" y="-17479"/>
-                  <a:pt x="6132469" y="0"/>
-                </a:cubicBezTo>
-                <a:cubicBezTo>
-                  <a:pt x="6321672" y="17479"/>
-                  <a:pt x="6483872" y="26234"/>
-                  <a:pt x="6702301" y="0"/>
-                </a:cubicBezTo>
-                <a:cubicBezTo>
-                  <a:pt x="6920730" y="-26234"/>
-                  <a:pt x="6991194" y="-15156"/>
-                  <a:pt x="7272132" y="0"/>
-                </a:cubicBezTo>
-                <a:cubicBezTo>
-                  <a:pt x="7553070" y="15156"/>
-                  <a:pt x="7684444" y="-32961"/>
-                  <a:pt x="7950502" y="0"/>
-                </a:cubicBezTo>
-                <a:cubicBezTo>
-                  <a:pt x="8216560" y="32961"/>
-                  <a:pt x="8493290" y="-10491"/>
-                  <a:pt x="8737412" y="0"/>
-                </a:cubicBezTo>
-                <a:cubicBezTo>
-                  <a:pt x="8981534" y="10491"/>
-                  <a:pt x="9191586" y="-13899"/>
-                  <a:pt x="9524322" y="0"/>
-                </a:cubicBezTo>
-                <a:cubicBezTo>
-                  <a:pt x="9857058" y="13899"/>
-                  <a:pt x="10297509" y="7485"/>
-                  <a:pt x="10853928" y="0"/>
-                </a:cubicBezTo>
-                <a:cubicBezTo>
-                  <a:pt x="10854574" y="4451"/>
-                  <a:pt x="10854418" y="9226"/>
-                  <a:pt x="10853928" y="18288"/>
-                </a:cubicBezTo>
-                <a:cubicBezTo>
-                  <a:pt x="10691638" y="28522"/>
-                  <a:pt x="10574319" y="29578"/>
-                  <a:pt x="10392636" y="18288"/>
-                </a:cubicBezTo>
-                <a:cubicBezTo>
-                  <a:pt x="10210953" y="6998"/>
-                  <a:pt x="9836277" y="-16742"/>
-                  <a:pt x="9497187" y="18288"/>
-                </a:cubicBezTo>
-                <a:cubicBezTo>
-                  <a:pt x="9158097" y="53318"/>
-                  <a:pt x="9119479" y="30714"/>
-                  <a:pt x="8818817" y="18288"/>
-                </a:cubicBezTo>
-                <a:cubicBezTo>
-                  <a:pt x="8518155" y="5863"/>
-                  <a:pt x="8640037" y="6483"/>
-                  <a:pt x="8466064" y="18288"/>
-                </a:cubicBezTo>
-                <a:cubicBezTo>
-                  <a:pt x="8292091" y="30093"/>
-                  <a:pt x="7997656" y="18914"/>
-                  <a:pt x="7787693" y="18288"/>
-                </a:cubicBezTo>
-                <a:cubicBezTo>
-                  <a:pt x="7577730" y="17662"/>
-                  <a:pt x="7412468" y="21416"/>
-                  <a:pt x="7217862" y="18288"/>
-                </a:cubicBezTo>
-                <a:cubicBezTo>
-                  <a:pt x="7023256" y="15160"/>
-                  <a:pt x="6898018" y="14824"/>
-                  <a:pt x="6648031" y="18288"/>
-                </a:cubicBezTo>
-                <a:cubicBezTo>
-                  <a:pt x="6398044" y="21752"/>
-                  <a:pt x="6254402" y="38625"/>
-                  <a:pt x="6078200" y="18288"/>
-                </a:cubicBezTo>
-                <a:cubicBezTo>
-                  <a:pt x="5901998" y="-2049"/>
-                  <a:pt x="5622886" y="3213"/>
-                  <a:pt x="5508368" y="18288"/>
-                </a:cubicBezTo>
-                <a:cubicBezTo>
-                  <a:pt x="5393850" y="33363"/>
-                  <a:pt x="5036260" y="26830"/>
-                  <a:pt x="4721459" y="18288"/>
-                </a:cubicBezTo>
-                <a:cubicBezTo>
-                  <a:pt x="4406658" y="9746"/>
-                  <a:pt x="4239221" y="41551"/>
-                  <a:pt x="4043088" y="18288"/>
-                </a:cubicBezTo>
-                <a:cubicBezTo>
-                  <a:pt x="3846955" y="-4975"/>
-                  <a:pt x="3818802" y="34658"/>
-                  <a:pt x="3690336" y="18288"/>
-                </a:cubicBezTo>
-                <a:cubicBezTo>
-                  <a:pt x="3561870" y="1918"/>
-                  <a:pt x="3265491" y="42194"/>
-                  <a:pt x="3120504" y="18288"/>
-                </a:cubicBezTo>
-                <a:cubicBezTo>
-                  <a:pt x="2975517" y="-5618"/>
-                  <a:pt x="2720254" y="36673"/>
-                  <a:pt x="2333595" y="18288"/>
-                </a:cubicBezTo>
-                <a:cubicBezTo>
-                  <a:pt x="1946936" y="-97"/>
-                  <a:pt x="2097241" y="5776"/>
-                  <a:pt x="1872303" y="18288"/>
-                </a:cubicBezTo>
-                <a:cubicBezTo>
-                  <a:pt x="1647365" y="30800"/>
-                  <a:pt x="1282708" y="45380"/>
-                  <a:pt x="976854" y="18288"/>
-                </a:cubicBezTo>
-                <a:cubicBezTo>
-                  <a:pt x="671000" y="-8804"/>
-                  <a:pt x="408401" y="-12775"/>
-                  <a:pt x="0" y="18288"/>
-                </a:cubicBezTo>
-                <a:cubicBezTo>
-                  <a:pt x="-213" y="9468"/>
-                  <a:pt x="187" y="4459"/>
-                  <a:pt x="0" y="0"/>
-                </a:cubicBezTo>
-                <a:close/>
-              </a:path>
-              <a:path w="10853928" h="18288" stroke="0" extrusionOk="0">
-                <a:moveTo>
-                  <a:pt x="0" y="0"/>
-                </a:moveTo>
-                <a:cubicBezTo>
-                  <a:pt x="267322" y="15284"/>
-                  <a:pt x="415388" y="-21048"/>
-                  <a:pt x="569831" y="0"/>
-                </a:cubicBezTo>
-                <a:cubicBezTo>
-                  <a:pt x="724274" y="21048"/>
-                  <a:pt x="769333" y="-2353"/>
-                  <a:pt x="922584" y="0"/>
-                </a:cubicBezTo>
-                <a:cubicBezTo>
-                  <a:pt x="1075835" y="2353"/>
-                  <a:pt x="1399490" y="-145"/>
-                  <a:pt x="1818033" y="0"/>
-                </a:cubicBezTo>
-                <a:cubicBezTo>
-                  <a:pt x="2236576" y="145"/>
-                  <a:pt x="2145330" y="5482"/>
-                  <a:pt x="2387864" y="0"/>
-                </a:cubicBezTo>
-                <a:cubicBezTo>
-                  <a:pt x="2630398" y="-5482"/>
-                  <a:pt x="2793207" y="18487"/>
-                  <a:pt x="2957695" y="0"/>
-                </a:cubicBezTo>
-                <a:cubicBezTo>
-                  <a:pt x="3122183" y="-18487"/>
-                  <a:pt x="3579141" y="19003"/>
-                  <a:pt x="3853144" y="0"/>
-                </a:cubicBezTo>
-                <a:cubicBezTo>
-                  <a:pt x="4127147" y="-19003"/>
-                  <a:pt x="4209857" y="12211"/>
-                  <a:pt x="4314436" y="0"/>
-                </a:cubicBezTo>
-                <a:cubicBezTo>
-                  <a:pt x="4419015" y="-12211"/>
-                  <a:pt x="4762459" y="-17220"/>
-                  <a:pt x="5209885" y="0"/>
-                </a:cubicBezTo>
-                <a:cubicBezTo>
-                  <a:pt x="5657311" y="17220"/>
-                  <a:pt x="5692663" y="-3290"/>
-                  <a:pt x="6105335" y="0"/>
-                </a:cubicBezTo>
-                <a:cubicBezTo>
-                  <a:pt x="6518007" y="3290"/>
-                  <a:pt x="6455516" y="-5124"/>
-                  <a:pt x="6783705" y="0"/>
-                </a:cubicBezTo>
-                <a:cubicBezTo>
-                  <a:pt x="7111894" y="5124"/>
-                  <a:pt x="7441941" y="-17829"/>
-                  <a:pt x="7679154" y="0"/>
-                </a:cubicBezTo>
-                <a:cubicBezTo>
-                  <a:pt x="7916367" y="17829"/>
-                  <a:pt x="8102967" y="-24363"/>
-                  <a:pt x="8248985" y="0"/>
-                </a:cubicBezTo>
-                <a:cubicBezTo>
-                  <a:pt x="8395003" y="24363"/>
-                  <a:pt x="8552393" y="25505"/>
-                  <a:pt x="8818817" y="0"/>
-                </a:cubicBezTo>
-                <a:cubicBezTo>
-                  <a:pt x="9085241" y="-25505"/>
-                  <a:pt x="9411308" y="38000"/>
-                  <a:pt x="9605726" y="0"/>
-                </a:cubicBezTo>
-                <a:cubicBezTo>
-                  <a:pt x="9800144" y="-38000"/>
-                  <a:pt x="10006468" y="-25741"/>
-                  <a:pt x="10175558" y="0"/>
-                </a:cubicBezTo>
-                <a:cubicBezTo>
-                  <a:pt x="10344648" y="25741"/>
-                  <a:pt x="10696282" y="695"/>
-                  <a:pt x="10853928" y="0"/>
-                </a:cubicBezTo>
-                <a:cubicBezTo>
-                  <a:pt x="10853521" y="8690"/>
-                  <a:pt x="10853774" y="14141"/>
-                  <a:pt x="10853928" y="18288"/>
-                </a:cubicBezTo>
-                <a:cubicBezTo>
-                  <a:pt x="10608124" y="24255"/>
-                  <a:pt x="10343415" y="22307"/>
-                  <a:pt x="10067018" y="18288"/>
-                </a:cubicBezTo>
-                <a:cubicBezTo>
-                  <a:pt x="9790621" y="14270"/>
-                  <a:pt x="9843266" y="3564"/>
-                  <a:pt x="9714266" y="18288"/>
-                </a:cubicBezTo>
-                <a:cubicBezTo>
-                  <a:pt x="9585266" y="33012"/>
-                  <a:pt x="9379484" y="1875"/>
-                  <a:pt x="9252974" y="18288"/>
-                </a:cubicBezTo>
-                <a:cubicBezTo>
-                  <a:pt x="9126464" y="34701"/>
-                  <a:pt x="8580678" y="-4904"/>
-                  <a:pt x="8357525" y="18288"/>
-                </a:cubicBezTo>
-                <a:cubicBezTo>
-                  <a:pt x="8134372" y="41480"/>
-                  <a:pt x="7903199" y="26458"/>
-                  <a:pt x="7679154" y="18288"/>
-                </a:cubicBezTo>
-                <a:cubicBezTo>
-                  <a:pt x="7455109" y="10118"/>
-                  <a:pt x="7435944" y="27109"/>
-                  <a:pt x="7217862" y="18288"/>
-                </a:cubicBezTo>
-                <a:cubicBezTo>
-                  <a:pt x="6999780" y="9467"/>
-                  <a:pt x="6680409" y="18985"/>
-                  <a:pt x="6539492" y="18288"/>
-                </a:cubicBezTo>
-                <a:cubicBezTo>
-                  <a:pt x="6398575" y="17592"/>
-                  <a:pt x="6312077" y="33018"/>
-                  <a:pt x="6186739" y="18288"/>
-                </a:cubicBezTo>
-                <a:cubicBezTo>
-                  <a:pt x="6061401" y="3558"/>
-                  <a:pt x="5947033" y="12075"/>
-                  <a:pt x="5833986" y="18288"/>
-                </a:cubicBezTo>
-                <a:cubicBezTo>
-                  <a:pt x="5720939" y="24501"/>
-                  <a:pt x="5482226" y="8586"/>
-                  <a:pt x="5155616" y="18288"/>
-                </a:cubicBezTo>
-                <a:cubicBezTo>
-                  <a:pt x="4829006" y="27991"/>
-                  <a:pt x="4841274" y="29316"/>
-                  <a:pt x="4694324" y="18288"/>
-                </a:cubicBezTo>
-                <a:cubicBezTo>
-                  <a:pt x="4547374" y="7260"/>
-                  <a:pt x="4077675" y="7013"/>
-                  <a:pt x="3907414" y="18288"/>
-                </a:cubicBezTo>
-                <a:cubicBezTo>
-                  <a:pt x="3737153" y="29564"/>
-                  <a:pt x="3538393" y="21630"/>
-                  <a:pt x="3446122" y="18288"/>
-                </a:cubicBezTo>
-                <a:cubicBezTo>
-                  <a:pt x="3353851" y="14946"/>
-                  <a:pt x="2990320" y="-8091"/>
-                  <a:pt x="2659212" y="18288"/>
-                </a:cubicBezTo>
-                <a:cubicBezTo>
-                  <a:pt x="2328104" y="44667"/>
-                  <a:pt x="2427653" y="9607"/>
-                  <a:pt x="2306460" y="18288"/>
-                </a:cubicBezTo>
-                <a:cubicBezTo>
-                  <a:pt x="2185267" y="26969"/>
-                  <a:pt x="1719763" y="3717"/>
-                  <a:pt x="1519550" y="18288"/>
-                </a:cubicBezTo>
-                <a:cubicBezTo>
-                  <a:pt x="1319337" y="32860"/>
-                  <a:pt x="1167371" y="17040"/>
-                  <a:pt x="1058258" y="18288"/>
-                </a:cubicBezTo>
-                <a:cubicBezTo>
-                  <a:pt x="949145" y="19536"/>
-                  <a:pt x="780234" y="31447"/>
-                  <a:pt x="705505" y="18288"/>
-                </a:cubicBezTo>
-                <a:cubicBezTo>
-                  <a:pt x="630776" y="5129"/>
-                  <a:pt x="215796" y="30056"/>
-                  <a:pt x="0" y="18288"/>
-                </a:cubicBezTo>
-                <a:cubicBezTo>
-                  <a:pt x="-53" y="11301"/>
-                  <a:pt x="-649" y="7756"/>
-                  <a:pt x="0" y="0"/>
-                </a:cubicBezTo>
-                <a:close/>
-              </a:path>
-            </a:pathLst>
-          </a:custGeom>
-          <a:solidFill>
-            <a:schemeClr val="tx1"/>
-          </a:solidFill>
-          <a:ln w="38100" cap="rnd">
-            <a:solidFill>
-              <a:schemeClr val="tx1"/>
-            </a:solidFill>
-            <a:round/>
-            <a:extLst>
-              <a:ext uri="{C807C97D-BFC1-408E-A445-0C87EB9F89A2}">
-                <ask:lineSketchStyleProps xmlns:ask="http://schemas.microsoft.com/office/drawing/2018/sketchyshapes" sd="1219033472">
-                  <a:prstGeom prst="rect">
-                    <a:avLst/>
-                  </a:prstGeom>
-                  <ask:type>
-                    <ask:lineSketchFreehand/>
-                  </ask:type>
-                </ask:lineSketchStyleProps>
-              </a:ext>
-            </a:extLst>
-          </a:ln>
-        </p:spPr>
-        <p:style>
-          <a:lnRef idx="2">
-            <a:schemeClr val="accent1">
-              <a:shade val="50000"/>
-            </a:schemeClr>
-          </a:lnRef>
-          <a:fillRef idx="1">
-            <a:schemeClr val="accent1"/>
-          </a:fillRef>
-          <a:effectRef idx="0">
-            <a:schemeClr val="accent1"/>
-          </a:effectRef>
-          <a:fontRef idx="minor">
-            <a:schemeClr val="lt1"/>
-          </a:fontRef>
-        </p:style>
-        <p:txBody>
-          <a:bodyPr rtlCol="0" anchor="ctr"/>
-          <a:lstStyle/>
-          <a:p>
-            <a:pPr algn="ctr"/>
-            <a:endParaRPr lang="en-US"/>
-          </a:p>
-        </p:txBody>
-      </p:sp>
-      <p:sp>
-        <p:nvSpPr>
-          <p:cNvPr id="3" name="Tartalom helye 2">
-            <a:extLst>
-              <a:ext uri="{FF2B5EF4-FFF2-40B4-BE49-F238E27FC236}">
-                <a16:creationId xmlns:a16="http://schemas.microsoft.com/office/drawing/2014/main" id="{1B1C575D-130F-9816-A8EC-5128E4E67904}"/>
-              </a:ext>
-            </a:extLst>
-          </p:cNvPr>
-          <p:cNvSpPr>
-            <a:spLocks noGrp="1"/>
-          </p:cNvSpPr>
-          <p:nvPr>
-            <p:ph idx="1"/>
-          </p:nvPr>
-        </p:nvSpPr>
-        <p:spPr>
-          <a:xfrm>
-            <a:off x="838200" y="2004446"/>
-            <a:ext cx="10515600" cy="4176897"/>
-          </a:xfrm>
-        </p:spPr>
-        <p:txBody>
-          <a:bodyPr>
-            <a:normAutofit/>
-          </a:bodyPr>
-          <a:lstStyle/>
-          <a:p>
-            <a:pPr marL="0" indent="0">
-              <a:buNone/>
-            </a:pPr>
-            <a:r>
-              <a:rPr lang="en-GB" sz="3600" i="0" dirty="0">
-                <a:effectLst/>
-                <a:latin typeface="Arial" panose="020B0604020202020204" pitchFamily="34" charset="0"/>
-              </a:rPr>
-              <a:t>• The quality of life in a village and in a town</a:t>
-            </a:r>
-            <a:br>
-              <a:rPr lang="en-GB" sz="3600" i="0" dirty="0">
-                <a:effectLst/>
-                <a:latin typeface="Arial" panose="020B0604020202020204" pitchFamily="34" charset="0"/>
-              </a:rPr>
-            </a:br>
-            <a:r>
-              <a:rPr lang="en-GB" sz="3600" i="0" dirty="0">
-                <a:effectLst/>
-                <a:latin typeface="Arial" panose="020B0604020202020204" pitchFamily="34" charset="0"/>
-              </a:rPr>
-              <a:t>• Means of transport available</a:t>
-            </a:r>
-            <a:br>
-              <a:rPr lang="en-GB" sz="3600" i="0" dirty="0">
-                <a:effectLst/>
-                <a:latin typeface="Arial" panose="020B0604020202020204" pitchFamily="34" charset="0"/>
-              </a:rPr>
-            </a:br>
-            <a:r>
-              <a:rPr lang="en-GB" sz="3600" i="0" dirty="0">
-                <a:effectLst/>
-                <a:latin typeface="Arial" panose="020B0604020202020204" pitchFamily="34" charset="0"/>
-              </a:rPr>
-              <a:t>• Services</a:t>
-            </a:r>
-            <a:endParaRPr lang="en-GB" sz="3600" dirty="0"/>
-          </a:p>
-        </p:txBody>
-      </p:sp>
-    </p:spTree>
-    <p:extLst>
-      <p:ext uri="{BB962C8B-B14F-4D97-AF65-F5344CB8AC3E}">
-        <p14:creationId xmlns:p14="http://schemas.microsoft.com/office/powerpoint/2010/main" val="3060895338"/>
-      </p:ext>
-    </p:extLst>
-  </p:cSld>
-  <p:clrMapOvr>
-    <a:overrideClrMapping bg1="dk1" tx1="lt1" bg2="dk2" tx2="lt2" accent1="accent1" accent2="accent2" accent3="accent3" accent4="accent4" accent5="accent5" accent6="accent6" hlink="hlink" folHlink="folHlink"/>
-  </p:clrMapOvr>
-  <p:transition spd="slow">
-    <p:push dir="u"/>
-  </p:transition>
-  <p:timing>
-    <p:tnLst>
-      <p:par>
-        <p:cTn id="1" dur="indefinite" restart="never" nodeType="tmRoot">
-          <p:childTnLst>
-            <p:seq concurrent="1" nextAc="seek">
-              <p:cTn id="2" dur="indefinite" nodeType="mainSeq">
-                <p:childTnLst>
-                  <p:par>
-                    <p:cTn id="3" fill="hold">
-                      <p:stCondLst>
-                        <p:cond delay="indefinite"/>
-                        <p:cond evt="onBegin" delay="0">
-                          <p:tn val="2"/>
-                        </p:cond>
-                      </p:stCondLst>
-                      <p:childTnLst>
-                        <p:par>
-                          <p:cTn id="4" fill="hold">
-                            <p:stCondLst>
-                              <p:cond delay="0"/>
-                            </p:stCondLst>
-                            <p:childTnLst>
-                              <p:par>
-                                <p:cTn id="5" presetID="10" presetClass="entr" presetSubtype="0" fill="hold" grpId="0" nodeType="afterEffect">
-                                  <p:stCondLst>
-                                    <p:cond delay="0"/>
-                                  </p:stCondLst>
-                                  <p:childTnLst>
-                                    <p:set>
-                                      <p:cBhvr>
-                                        <p:cTn id="6" dur="1" fill="hold">
-                                          <p:stCondLst>
-                                            <p:cond delay="0"/>
-                                          </p:stCondLst>
-                                        </p:cTn>
-                                        <p:tgtEl>
-                                          <p:spTgt spid="3">
-                                            <p:txEl>
-                                              <p:pRg st="0" end="0"/>
-                                            </p:txEl>
-                                          </p:spTgt>
-                                        </p:tgtEl>
-                                        <p:attrNameLst>
-                                          <p:attrName>style.visibility</p:attrName>
-                                        </p:attrNameLst>
-                                      </p:cBhvr>
-                                      <p:to>
-                                        <p:strVal val="visible"/>
-                                      </p:to>
-                                    </p:set>
-                                    <p:animEffect transition="in" filter="fade">
-                                      <p:cBhvr>
-                                        <p:cTn id="7" dur="500"/>
-                                        <p:tgtEl>
-                                          <p:spTgt spid="3">
-                                            <p:txEl>
-                                              <p:pRg st="0" end="0"/>
-                                            </p:txEl>
-                                          </p:spTgt>
-                                        </p:tgtEl>
-                                      </p:cBhvr>
-                                    </p:animEffect>
-                                  </p:childTnLst>
-                                </p:cTn>
-                              </p:par>
-                            </p:childTnLst>
-                          </p:cTn>
-                        </p:par>
-                      </p:childTnLst>
-                    </p:cTn>
-                  </p:par>
-                </p:childTnLst>
-              </p:cTn>
-              <p:prevCondLst>
-                <p:cond evt="onPrev" delay="0">
-                  <p:tgtEl>
-                    <p:sldTgt/>
-                  </p:tgtEl>
-                </p:cond>
-              </p:prevCondLst>
-              <p:nextCondLst>
-                <p:cond evt="onNext" delay="0">
-                  <p:tgtEl>
-                    <p:sldTgt/>
-                  </p:tgtEl>
-                </p:cond>
-              </p:nextCondLst>
-            </p:seq>
-          </p:childTnLst>
-        </p:cTn>
-      </p:par>
-    </p:tnLst>
-    <p:bldLst>
-      <p:bldP spid="3" grpId="0" build="p"/>
-    </p:bldLst>
-  </p:timing>
-</p:sld>
-</file>
-
-<file path=ppt/slides/slide3.xml><?xml version="1.0" encoding="utf-8"?>
 <p:sld xmlns:a="http://schemas.openxmlformats.org/drawingml/2006/main" xmlns:r="http://schemas.openxmlformats.org/officeDocument/2006/relationships" xmlns:p="http://schemas.openxmlformats.org/presentationml/2006/main">
   <p:cSld>
     <p:bg>
@@ -10725,7 +8129,7 @@
 </p:sld>
 </file>
 
-<file path=ppt/slides/slide4.xml><?xml version="1.0" encoding="utf-8"?>
+<file path=ppt/slides/slide2.xml><?xml version="1.0" encoding="utf-8"?>
 <p:sld xmlns:a="http://schemas.openxmlformats.org/drawingml/2006/main" xmlns:r="http://schemas.openxmlformats.org/officeDocument/2006/relationships" xmlns:p="http://schemas.openxmlformats.org/presentationml/2006/main">
   <p:cSld>
     <p:bg>
@@ -11822,7 +9226,7 @@
 </p:sld>
 </file>
 
-<file path=ppt/slides/slide5.xml><?xml version="1.0" encoding="utf-8"?>
+<file path=ppt/slides/slide3.xml><?xml version="1.0" encoding="utf-8"?>
 <p:sld xmlns:a="http://schemas.openxmlformats.org/drawingml/2006/main" xmlns:r="http://schemas.openxmlformats.org/officeDocument/2006/relationships" xmlns:p="http://schemas.openxmlformats.org/presentationml/2006/main">
   <p:cSld>
     <p:bg>
@@ -12881,7 +10285,7 @@
 </p:sld>
 </file>
 
-<file path=ppt/slides/slide6.xml><?xml version="1.0" encoding="utf-8"?>
+<file path=ppt/slides/slide4.xml><?xml version="1.0" encoding="utf-8"?>
 <p:sld xmlns:a="http://schemas.openxmlformats.org/drawingml/2006/main" xmlns:r="http://schemas.openxmlformats.org/officeDocument/2006/relationships" xmlns:p="http://schemas.openxmlformats.org/presentationml/2006/main">
   <p:cSld>
     <p:bg>
@@ -13926,7 +11330,7 @@
 </p:sld>
 </file>
 
-<file path=ppt/slides/slide7.xml><?xml version="1.0" encoding="utf-8"?>
+<file path=ppt/slides/slide5.xml><?xml version="1.0" encoding="utf-8"?>
 <p:sld xmlns:a="http://schemas.openxmlformats.org/drawingml/2006/main" xmlns:r="http://schemas.openxmlformats.org/officeDocument/2006/relationships" xmlns:p="http://schemas.openxmlformats.org/presentationml/2006/main">
   <p:cSld>
     <p:bg>
@@ -15088,7 +12492,7 @@
 </p:sld>
 </file>
 
-<file path=ppt/slides/slide8.xml><?xml version="1.0" encoding="utf-8"?>
+<file path=ppt/slides/slide6.xml><?xml version="1.0" encoding="utf-8"?>
 <p:sld xmlns:a="http://schemas.openxmlformats.org/drawingml/2006/main" xmlns:r="http://schemas.openxmlformats.org/officeDocument/2006/relationships" xmlns:p="http://schemas.openxmlformats.org/presentationml/2006/main">
   <p:cSld>
     <p:bg>
@@ -15763,162 +13167,6 @@
           </a:p>
         </p:txBody>
       </p:sp>
-      <p:pic>
-        <p:nvPicPr>
-          <p:cNvPr id="4" name="Picture 8">
-            <a:extLst>
-              <a:ext uri="{FF2B5EF4-FFF2-40B4-BE49-F238E27FC236}">
-                <a16:creationId xmlns:a16="http://schemas.microsoft.com/office/drawing/2014/main" id="{C5DB67AE-1F7A-CFAB-7745-A2B6D2A526C6}"/>
-              </a:ext>
-            </a:extLst>
-          </p:cNvPr>
-          <p:cNvPicPr>
-            <a:picLocks noChangeAspect="1" noChangeArrowheads="1"/>
-          </p:cNvPicPr>
-          <p:nvPr/>
-        </p:nvPicPr>
-        <p:blipFill rotWithShape="1">
-          <a:blip r:embed="rId2">
-            <a:extLst>
-              <a:ext uri="{28A0092B-C50C-407E-A947-70E740481C1C}">
-                <a14:useLocalDpi xmlns:a14="http://schemas.microsoft.com/office/drawing/2010/main" val="0"/>
-              </a:ext>
-            </a:extLst>
-          </a:blip>
-          <a:srcRect l="30709" r="26677" b="1"/>
-          <a:stretch/>
-        </p:blipFill>
-        <p:spPr bwMode="auto">
-          <a:xfrm>
-            <a:off x="1" y="10"/>
-            <a:ext cx="4657344" cy="6857990"/>
-          </a:xfrm>
-          <a:custGeom>
-            <a:avLst/>
-            <a:gdLst/>
-            <a:ahLst/>
-            <a:cxnLst/>
-            <a:rect l="l" t="t" r="r" b="b"/>
-            <a:pathLst>
-              <a:path w="4657344" h="6858000">
-                <a:moveTo>
-                  <a:pt x="0" y="0"/>
-                </a:moveTo>
-                <a:lnTo>
-                  <a:pt x="3429755" y="0"/>
-                </a:lnTo>
-                <a:lnTo>
-                  <a:pt x="3526016" y="148742"/>
-                </a:lnTo>
-                <a:cubicBezTo>
-                  <a:pt x="3657740" y="365513"/>
-                  <a:pt x="3777402" y="589569"/>
-                  <a:pt x="3886489" y="819975"/>
-                </a:cubicBezTo>
-                <a:cubicBezTo>
-                  <a:pt x="3891856" y="833492"/>
-                  <a:pt x="3900663" y="845393"/>
-                  <a:pt x="3912049" y="854514"/>
-                </a:cubicBezTo>
-                <a:cubicBezTo>
-                  <a:pt x="3897352" y="819849"/>
-                  <a:pt x="3883037" y="784928"/>
-                  <a:pt x="3868083" y="750263"/>
-                </a:cubicBezTo>
-                <a:cubicBezTo>
-                  <a:pt x="3806989" y="608712"/>
-                  <a:pt x="3742478" y="469145"/>
-                  <a:pt x="3674155" y="331786"/>
-                </a:cubicBezTo>
-                <a:lnTo>
-                  <a:pt x="3496656" y="0"/>
-                </a:lnTo>
-                <a:lnTo>
-                  <a:pt x="3554371" y="0"/>
-                </a:lnTo>
-                <a:lnTo>
-                  <a:pt x="3661621" y="196614"/>
-                </a:lnTo>
-                <a:cubicBezTo>
-                  <a:pt x="3856899" y="573253"/>
-                  <a:pt x="4021071" y="966066"/>
-                  <a:pt x="4161279" y="1371196"/>
-                </a:cubicBezTo>
-                <a:cubicBezTo>
-                  <a:pt x="4379525" y="2007265"/>
-                  <a:pt x="4530141" y="2664286"/>
-                  <a:pt x="4610660" y="3331516"/>
-                </a:cubicBezTo>
-                <a:cubicBezTo>
-                  <a:pt x="4652837" y="3672965"/>
-                  <a:pt x="4671625" y="4013908"/>
-                  <a:pt x="4645040" y="4357388"/>
-                </a:cubicBezTo>
-                <a:cubicBezTo>
-                  <a:pt x="4613599" y="4758899"/>
-                  <a:pt x="4566181" y="5157998"/>
-                  <a:pt x="4485789" y="5552906"/>
-                </a:cubicBezTo>
-                <a:cubicBezTo>
-                  <a:pt x="4397121" y="5988893"/>
-                  <a:pt x="4276748" y="6414594"/>
-                  <a:pt x="4117769" y="6828295"/>
-                </a:cubicBezTo>
-                <a:lnTo>
-                  <a:pt x="4105288" y="6858000"/>
-                </a:lnTo>
-                <a:lnTo>
-                  <a:pt x="4052520" y="6858000"/>
-                </a:lnTo>
-                <a:lnTo>
-                  <a:pt x="4059369" y="6841549"/>
-                </a:lnTo>
-                <a:cubicBezTo>
-                  <a:pt x="4147276" y="6614016"/>
-                  <a:pt x="4224193" y="6380817"/>
-                  <a:pt x="4291518" y="6142729"/>
-                </a:cubicBezTo>
-                <a:cubicBezTo>
-                  <a:pt x="4350055" y="5935370"/>
-                  <a:pt x="4393256" y="5723695"/>
-                  <a:pt x="4443357" y="5513923"/>
-                </a:cubicBezTo>
-                <a:cubicBezTo>
-                  <a:pt x="4444541" y="5502788"/>
-                  <a:pt x="4445137" y="5491601"/>
-                  <a:pt x="4445146" y="5480401"/>
-                </a:cubicBezTo>
-                <a:cubicBezTo>
-                  <a:pt x="4408465" y="5607635"/>
-                  <a:pt x="4379196" y="5719759"/>
-                  <a:pt x="4344559" y="5830359"/>
-                </a:cubicBezTo>
-                <a:cubicBezTo>
-                  <a:pt x="4254261" y="6118381"/>
-                  <a:pt x="4150112" y="6398531"/>
-                  <a:pt x="4031702" y="6670527"/>
-                </a:cubicBezTo>
-                <a:lnTo>
-                  <a:pt x="3943824" y="6858000"/>
-                </a:lnTo>
-                <a:lnTo>
-                  <a:pt x="0" y="6858000"/>
-                </a:lnTo>
-                <a:close/>
-              </a:path>
-            </a:pathLst>
-          </a:custGeom>
-          <a:extLst>
-            <a:ext uri="{909E8E84-426E-40DD-AFC4-6F175D3DCCD1}">
-              <a14:hiddenFill xmlns:a14="http://schemas.microsoft.com/office/drawing/2010/main">
-                <a:solidFill>
-                  <a:srgbClr val="FFFFFF"/>
-                </a:solidFill>
-              </a14:hiddenFill>
-            </a:ext>
-          </a:extLst>
-        </p:spPr>
-      </p:pic>
     </p:spTree>
     <p:extLst>
       <p:ext uri="{BB962C8B-B14F-4D97-AF65-F5344CB8AC3E}">
@@ -16233,1100 +13481,6 @@
 </p:sld>
 </file>
 
-<file path=ppt/slides/slide9.xml><?xml version="1.0" encoding="utf-8"?>
-<p:sld xmlns:a="http://schemas.openxmlformats.org/drawingml/2006/main" xmlns:r="http://schemas.openxmlformats.org/officeDocument/2006/relationships" xmlns:p="http://schemas.openxmlformats.org/presentationml/2006/main">
-  <p:cSld>
-    <p:spTree>
-      <p:nvGrpSpPr>
-        <p:cNvPr id="1" name=""/>
-        <p:cNvGrpSpPr/>
-        <p:nvPr/>
-      </p:nvGrpSpPr>
-      <p:grpSpPr>
-        <a:xfrm>
-          <a:off x="0" y="0"/>
-          <a:ext cx="0" cy="0"/>
-          <a:chOff x="0" y="0"/>
-          <a:chExt cx="0" cy="0"/>
-        </a:xfrm>
-      </p:grpSpPr>
-      <p:sp useBgFill="1">
-        <p:nvSpPr>
-          <p:cNvPr id="20" name="Rectangle 19">
-            <a:extLst>
-              <a:ext uri="{FF2B5EF4-FFF2-40B4-BE49-F238E27FC236}">
-                <a16:creationId xmlns:a16="http://schemas.microsoft.com/office/drawing/2014/main" id="{AD35AE2F-5E3A-49D9-8DE1-8A333BA4088E}"/>
-              </a:ext>
-              <a:ext uri="{C183D7F6-B498-43B3-948B-1728B52AA6E4}">
-                <adec:decorative xmlns:adec="http://schemas.microsoft.com/office/drawing/2017/decorative" val="1"/>
-              </a:ext>
-            </a:extLst>
-          </p:cNvPr>
-          <p:cNvSpPr>
-            <a:spLocks noGrp="1" noRot="1" noChangeAspect="1" noMove="1" noResize="1" noEditPoints="1" noAdjustHandles="1" noChangeArrowheads="1" noChangeShapeType="1" noTextEdit="1"/>
-          </p:cNvSpPr>
-          <p:nvPr>
-            <p:extLst>
-              <p:ext uri="{386F3935-93C4-4BCD-93E2-E3B085C9AB24}">
-                <p16:designElem xmlns:p16="http://schemas.microsoft.com/office/powerpoint/2015/main" val="1"/>
-              </p:ext>
-            </p:extLst>
-          </p:nvPr>
-        </p:nvSpPr>
-        <p:spPr>
-          <a:xfrm>
-            <a:off x="0" y="0"/>
-            <a:ext cx="12188952" cy="6858000"/>
-          </a:xfrm>
-          <a:prstGeom prst="rect">
-            <a:avLst/>
-          </a:prstGeom>
-          <a:ln>
-            <a:noFill/>
-          </a:ln>
-        </p:spPr>
-        <p:style>
-          <a:lnRef idx="2">
-            <a:schemeClr val="accent1">
-              <a:shade val="50000"/>
-            </a:schemeClr>
-          </a:lnRef>
-          <a:fillRef idx="1">
-            <a:schemeClr val="accent1"/>
-          </a:fillRef>
-          <a:effectRef idx="0">
-            <a:schemeClr val="accent1"/>
-          </a:effectRef>
-          <a:fontRef idx="minor">
-            <a:schemeClr val="lt1"/>
-          </a:fontRef>
-        </p:style>
-        <p:txBody>
-          <a:bodyPr rtlCol="0" anchor="ctr"/>
-          <a:lstStyle/>
-          <a:p>
-            <a:pPr algn="ctr"/>
-            <a:endParaRPr lang="en-US"/>
-          </a:p>
-        </p:txBody>
-      </p:sp>
-      <p:pic>
-        <p:nvPicPr>
-          <p:cNvPr id="14" name="Picture 3">
-            <a:extLst>
-              <a:ext uri="{FF2B5EF4-FFF2-40B4-BE49-F238E27FC236}">
-                <a16:creationId xmlns:a16="http://schemas.microsoft.com/office/drawing/2014/main" id="{E3C73DA8-1DBC-4120-13DB-69C7DE73AD7B}"/>
-              </a:ext>
-            </a:extLst>
-          </p:cNvPr>
-          <p:cNvPicPr>
-            <a:picLocks noChangeAspect="1"/>
-          </p:cNvPicPr>
-          <p:nvPr/>
-        </p:nvPicPr>
-        <p:blipFill rotWithShape="1">
-          <a:blip r:embed="rId2">
-            <a:alphaModFix amt="50000"/>
-          </a:blip>
-          <a:srcRect t="24981" r="-1" b="-1"/>
-          <a:stretch/>
-        </p:blipFill>
-        <p:spPr>
-          <a:xfrm>
-            <a:off x="20" y="10"/>
-            <a:ext cx="12188930" cy="6857990"/>
-          </a:xfrm>
-          <a:prstGeom prst="rect">
-            <a:avLst/>
-          </a:prstGeom>
-        </p:spPr>
-      </p:pic>
-      <p:sp>
-        <p:nvSpPr>
-          <p:cNvPr id="2" name="Cím 1">
-            <a:extLst>
-              <a:ext uri="{FF2B5EF4-FFF2-40B4-BE49-F238E27FC236}">
-                <a16:creationId xmlns:a16="http://schemas.microsoft.com/office/drawing/2014/main" id="{5E82A135-AD6C-198A-14AB-5C88D7043F6B}"/>
-              </a:ext>
-            </a:extLst>
-          </p:cNvPr>
-          <p:cNvSpPr>
-            <a:spLocks noGrp="1"/>
-          </p:cNvSpPr>
-          <p:nvPr>
-            <p:ph type="ctrTitle"/>
-          </p:nvPr>
-        </p:nvSpPr>
-        <p:spPr>
-          <a:xfrm>
-            <a:off x="1524000" y="1122363"/>
-            <a:ext cx="9144000" cy="3063240"/>
-          </a:xfrm>
-        </p:spPr>
-        <p:txBody>
-          <a:bodyPr>
-            <a:normAutofit/>
-          </a:bodyPr>
-          <a:lstStyle/>
-          <a:p>
-            <a:pPr algn="ctr"/>
-            <a:r>
-              <a:rPr lang="hu-HU" dirty="0" err="1">
-                <a:latin typeface="Calibri" panose="020F0502020204030204" pitchFamily="34" charset="0"/>
-                <a:cs typeface="Calibri" panose="020F0502020204030204" pitchFamily="34" charset="0"/>
-              </a:rPr>
-              <a:t>Thank</a:t>
-            </a:r>
-            <a:r>
-              <a:rPr lang="hu-HU" dirty="0">
-                <a:latin typeface="Calibri" panose="020F0502020204030204" pitchFamily="34" charset="0"/>
-                <a:cs typeface="Calibri" panose="020F0502020204030204" pitchFamily="34" charset="0"/>
-              </a:rPr>
-              <a:t> </a:t>
-            </a:r>
-            <a:r>
-              <a:rPr lang="hu-HU" dirty="0" err="1">
-                <a:latin typeface="Calibri" panose="020F0502020204030204" pitchFamily="34" charset="0"/>
-                <a:cs typeface="Calibri" panose="020F0502020204030204" pitchFamily="34" charset="0"/>
-              </a:rPr>
-              <a:t>you</a:t>
-            </a:r>
-            <a:r>
-              <a:rPr lang="hu-HU" dirty="0">
-                <a:latin typeface="Calibri" panose="020F0502020204030204" pitchFamily="34" charset="0"/>
-                <a:cs typeface="Calibri" panose="020F0502020204030204" pitchFamily="34" charset="0"/>
-              </a:rPr>
-              <a:t> for </a:t>
-            </a:r>
-            <a:r>
-              <a:rPr lang="hu-HU" dirty="0" err="1">
-                <a:latin typeface="Calibri" panose="020F0502020204030204" pitchFamily="34" charset="0"/>
-                <a:cs typeface="Calibri" panose="020F0502020204030204" pitchFamily="34" charset="0"/>
-              </a:rPr>
-              <a:t>your</a:t>
-            </a:r>
-            <a:r>
-              <a:rPr lang="hu-HU" dirty="0">
-                <a:latin typeface="Calibri" panose="020F0502020204030204" pitchFamily="34" charset="0"/>
-                <a:cs typeface="Calibri" panose="020F0502020204030204" pitchFamily="34" charset="0"/>
-              </a:rPr>
-              <a:t> </a:t>
-            </a:r>
-            <a:r>
-              <a:rPr lang="hu-HU" dirty="0" err="1">
-                <a:latin typeface="Calibri" panose="020F0502020204030204" pitchFamily="34" charset="0"/>
-                <a:cs typeface="Calibri" panose="020F0502020204030204" pitchFamily="34" charset="0"/>
-              </a:rPr>
-              <a:t>attention</a:t>
-            </a:r>
-            <a:r>
-              <a:rPr lang="hu-HU" dirty="0">
-                <a:latin typeface="Calibri" panose="020F0502020204030204" pitchFamily="34" charset="0"/>
-                <a:cs typeface="Calibri" panose="020F0502020204030204" pitchFamily="34" charset="0"/>
-              </a:rPr>
-              <a:t>!</a:t>
-            </a:r>
-            <a:endParaRPr lang="en-GB" dirty="0">
-              <a:latin typeface="Calibri" panose="020F0502020204030204" pitchFamily="34" charset="0"/>
-              <a:cs typeface="Calibri" panose="020F0502020204030204" pitchFamily="34" charset="0"/>
-            </a:endParaRPr>
-          </a:p>
-        </p:txBody>
-      </p:sp>
-      <p:sp>
-        <p:nvSpPr>
-          <p:cNvPr id="22" name="Rectangle 6">
-            <a:extLst>
-              <a:ext uri="{FF2B5EF4-FFF2-40B4-BE49-F238E27FC236}">
-                <a16:creationId xmlns:a16="http://schemas.microsoft.com/office/drawing/2014/main" id="{04D8AD8F-EF7F-481F-B99A-B8513897050A}"/>
-              </a:ext>
-              <a:ext uri="{C183D7F6-B498-43B3-948B-1728B52AA6E4}">
-                <adec:decorative xmlns:adec="http://schemas.microsoft.com/office/drawing/2017/decorative" val="1"/>
-              </a:ext>
-            </a:extLst>
-          </p:cNvPr>
-          <p:cNvSpPr>
-            <a:spLocks noGrp="1" noRot="1" noChangeAspect="1" noMove="1" noResize="1" noEditPoints="1" noAdjustHandles="1" noChangeArrowheads="1" noChangeShapeType="1" noTextEdit="1"/>
-          </p:cNvSpPr>
-          <p:nvPr>
-            <p:extLst>
-              <p:ext uri="{386F3935-93C4-4BCD-93E2-E3B085C9AB24}">
-                <p16:designElem xmlns:p16="http://schemas.microsoft.com/office/powerpoint/2015/main" val="1"/>
-              </p:ext>
-            </p:extLst>
-          </p:nvPr>
-        </p:nvSpPr>
-        <p:spPr>
-          <a:xfrm>
-            <a:off x="3974206" y="4419423"/>
-            <a:ext cx="4243589" cy="27432"/>
-          </a:xfrm>
-          <a:custGeom>
-            <a:avLst/>
-            <a:gdLst>
-              <a:gd name="connsiteX0" fmla="*/ 0 w 4243589"/>
-              <a:gd name="connsiteY0" fmla="*/ 0 h 27432"/>
-              <a:gd name="connsiteX1" fmla="*/ 563791 w 4243589"/>
-              <a:gd name="connsiteY1" fmla="*/ 0 h 27432"/>
-              <a:gd name="connsiteX2" fmla="*/ 1042710 w 4243589"/>
-              <a:gd name="connsiteY2" fmla="*/ 0 h 27432"/>
-              <a:gd name="connsiteX3" fmla="*/ 1564066 w 4243589"/>
-              <a:gd name="connsiteY3" fmla="*/ 0 h 27432"/>
-              <a:gd name="connsiteX4" fmla="*/ 2212729 w 4243589"/>
-              <a:gd name="connsiteY4" fmla="*/ 0 h 27432"/>
-              <a:gd name="connsiteX5" fmla="*/ 2776520 w 4243589"/>
-              <a:gd name="connsiteY5" fmla="*/ 0 h 27432"/>
-              <a:gd name="connsiteX6" fmla="*/ 3297875 w 4243589"/>
-              <a:gd name="connsiteY6" fmla="*/ 0 h 27432"/>
-              <a:gd name="connsiteX7" fmla="*/ 4243589 w 4243589"/>
-              <a:gd name="connsiteY7" fmla="*/ 0 h 27432"/>
-              <a:gd name="connsiteX8" fmla="*/ 4243589 w 4243589"/>
-              <a:gd name="connsiteY8" fmla="*/ 27432 h 27432"/>
-              <a:gd name="connsiteX9" fmla="*/ 3637362 w 4243589"/>
-              <a:gd name="connsiteY9" fmla="*/ 27432 h 27432"/>
-              <a:gd name="connsiteX10" fmla="*/ 3116007 w 4243589"/>
-              <a:gd name="connsiteY10" fmla="*/ 27432 h 27432"/>
-              <a:gd name="connsiteX11" fmla="*/ 2424908 w 4243589"/>
-              <a:gd name="connsiteY11" fmla="*/ 27432 h 27432"/>
-              <a:gd name="connsiteX12" fmla="*/ 1861117 w 4243589"/>
-              <a:gd name="connsiteY12" fmla="*/ 27432 h 27432"/>
-              <a:gd name="connsiteX13" fmla="*/ 1382198 w 4243589"/>
-              <a:gd name="connsiteY13" fmla="*/ 27432 h 27432"/>
-              <a:gd name="connsiteX14" fmla="*/ 733535 w 4243589"/>
-              <a:gd name="connsiteY14" fmla="*/ 27432 h 27432"/>
-              <a:gd name="connsiteX15" fmla="*/ 0 w 4243589"/>
-              <a:gd name="connsiteY15" fmla="*/ 27432 h 27432"/>
-              <a:gd name="connsiteX16" fmla="*/ 0 w 4243589"/>
-              <a:gd name="connsiteY16" fmla="*/ 0 h 27432"/>
-            </a:gdLst>
-            <a:ahLst/>
-            <a:cxnLst>
-              <a:cxn ang="0">
-                <a:pos x="connsiteX0" y="connsiteY0"/>
-              </a:cxn>
-              <a:cxn ang="0">
-                <a:pos x="connsiteX1" y="connsiteY1"/>
-              </a:cxn>
-              <a:cxn ang="0">
-                <a:pos x="connsiteX2" y="connsiteY2"/>
-              </a:cxn>
-              <a:cxn ang="0">
-                <a:pos x="connsiteX3" y="connsiteY3"/>
-              </a:cxn>
-              <a:cxn ang="0">
-                <a:pos x="connsiteX4" y="connsiteY4"/>
-              </a:cxn>
-              <a:cxn ang="0">
-                <a:pos x="connsiteX5" y="connsiteY5"/>
-              </a:cxn>
-              <a:cxn ang="0">
-                <a:pos x="connsiteX6" y="connsiteY6"/>
-              </a:cxn>
-              <a:cxn ang="0">
-                <a:pos x="connsiteX7" y="connsiteY7"/>
-              </a:cxn>
-              <a:cxn ang="0">
-                <a:pos x="connsiteX8" y="connsiteY8"/>
-              </a:cxn>
-              <a:cxn ang="0">
-                <a:pos x="connsiteX9" y="connsiteY9"/>
-              </a:cxn>
-              <a:cxn ang="0">
-                <a:pos x="connsiteX10" y="connsiteY10"/>
-              </a:cxn>
-              <a:cxn ang="0">
-                <a:pos x="connsiteX11" y="connsiteY11"/>
-              </a:cxn>
-              <a:cxn ang="0">
-                <a:pos x="connsiteX12" y="connsiteY12"/>
-              </a:cxn>
-              <a:cxn ang="0">
-                <a:pos x="connsiteX13" y="connsiteY13"/>
-              </a:cxn>
-              <a:cxn ang="0">
-                <a:pos x="connsiteX14" y="connsiteY14"/>
-              </a:cxn>
-              <a:cxn ang="0">
-                <a:pos x="connsiteX15" y="connsiteY15"/>
-              </a:cxn>
-              <a:cxn ang="0">
-                <a:pos x="connsiteX16" y="connsiteY16"/>
-              </a:cxn>
-            </a:cxnLst>
-            <a:rect l="l" t="t" r="r" b="b"/>
-            <a:pathLst>
-              <a:path w="4243589" h="27432" fill="none" extrusionOk="0">
-                <a:moveTo>
-                  <a:pt x="0" y="0"/>
-                </a:moveTo>
-                <a:cubicBezTo>
-                  <a:pt x="157351" y="-15653"/>
-                  <a:pt x="378877" y="-5828"/>
-                  <a:pt x="563791" y="0"/>
-                </a:cubicBezTo>
-                <a:cubicBezTo>
-                  <a:pt x="748705" y="5828"/>
-                  <a:pt x="905659" y="-5525"/>
-                  <a:pt x="1042710" y="0"/>
-                </a:cubicBezTo>
-                <a:cubicBezTo>
-                  <a:pt x="1179761" y="5525"/>
-                  <a:pt x="1356845" y="-21288"/>
-                  <a:pt x="1564066" y="0"/>
-                </a:cubicBezTo>
-                <a:cubicBezTo>
-                  <a:pt x="1771287" y="21288"/>
-                  <a:pt x="1912099" y="25135"/>
-                  <a:pt x="2212729" y="0"/>
-                </a:cubicBezTo>
-                <a:cubicBezTo>
-                  <a:pt x="2513359" y="-25135"/>
-                  <a:pt x="2514918" y="-27119"/>
-                  <a:pt x="2776520" y="0"/>
-                </a:cubicBezTo>
-                <a:cubicBezTo>
-                  <a:pt x="3038122" y="27119"/>
-                  <a:pt x="3178771" y="18116"/>
-                  <a:pt x="3297875" y="0"/>
-                </a:cubicBezTo>
-                <a:cubicBezTo>
-                  <a:pt x="3416980" y="-18116"/>
-                  <a:pt x="4012240" y="-40869"/>
-                  <a:pt x="4243589" y="0"/>
-                </a:cubicBezTo>
-                <a:cubicBezTo>
-                  <a:pt x="4242616" y="8304"/>
-                  <a:pt x="4243111" y="21512"/>
-                  <a:pt x="4243589" y="27432"/>
-                </a:cubicBezTo>
-                <a:cubicBezTo>
-                  <a:pt x="4112949" y="6289"/>
-                  <a:pt x="3928037" y="10975"/>
-                  <a:pt x="3637362" y="27432"/>
-                </a:cubicBezTo>
-                <a:cubicBezTo>
-                  <a:pt x="3346687" y="43889"/>
-                  <a:pt x="3254446" y="35813"/>
-                  <a:pt x="3116007" y="27432"/>
-                </a:cubicBezTo>
-                <a:cubicBezTo>
-                  <a:pt x="2977569" y="19051"/>
-                  <a:pt x="2620228" y="38017"/>
-                  <a:pt x="2424908" y="27432"/>
-                </a:cubicBezTo>
-                <a:cubicBezTo>
-                  <a:pt x="2229588" y="16847"/>
-                  <a:pt x="2088287" y="5290"/>
-                  <a:pt x="1861117" y="27432"/>
-                </a:cubicBezTo>
-                <a:cubicBezTo>
-                  <a:pt x="1633947" y="49574"/>
-                  <a:pt x="1502447" y="8273"/>
-                  <a:pt x="1382198" y="27432"/>
-                </a:cubicBezTo>
-                <a:cubicBezTo>
-                  <a:pt x="1261949" y="46591"/>
-                  <a:pt x="1045440" y="37497"/>
-                  <a:pt x="733535" y="27432"/>
-                </a:cubicBezTo>
-                <a:cubicBezTo>
-                  <a:pt x="421630" y="17367"/>
-                  <a:pt x="341257" y="-9215"/>
-                  <a:pt x="0" y="27432"/>
-                </a:cubicBezTo>
-                <a:cubicBezTo>
-                  <a:pt x="-1048" y="14992"/>
-                  <a:pt x="-1120" y="7447"/>
-                  <a:pt x="0" y="0"/>
-                </a:cubicBezTo>
-                <a:close/>
-              </a:path>
-              <a:path w="4243589" h="27432" stroke="0" extrusionOk="0">
-                <a:moveTo>
-                  <a:pt x="0" y="0"/>
-                </a:moveTo>
-                <a:cubicBezTo>
-                  <a:pt x="128164" y="17204"/>
-                  <a:pt x="312653" y="1129"/>
-                  <a:pt x="563791" y="0"/>
-                </a:cubicBezTo>
-                <a:cubicBezTo>
-                  <a:pt x="814929" y="-1129"/>
-                  <a:pt x="837271" y="8503"/>
-                  <a:pt x="1042710" y="0"/>
-                </a:cubicBezTo>
-                <a:cubicBezTo>
-                  <a:pt x="1248149" y="-8503"/>
-                  <a:pt x="1588432" y="-28862"/>
-                  <a:pt x="1733809" y="0"/>
-                </a:cubicBezTo>
-                <a:cubicBezTo>
-                  <a:pt x="1879186" y="28862"/>
-                  <a:pt x="2052815" y="5974"/>
-                  <a:pt x="2297600" y="0"/>
-                </a:cubicBezTo>
-                <a:cubicBezTo>
-                  <a:pt x="2542385" y="-5974"/>
-                  <a:pt x="2699960" y="-23550"/>
-                  <a:pt x="2861391" y="0"/>
-                </a:cubicBezTo>
-                <a:cubicBezTo>
-                  <a:pt x="3022822" y="23550"/>
-                  <a:pt x="3390411" y="25272"/>
-                  <a:pt x="3552490" y="0"/>
-                </a:cubicBezTo>
-                <a:cubicBezTo>
-                  <a:pt x="3714569" y="-25272"/>
-                  <a:pt x="3950585" y="-31327"/>
-                  <a:pt x="4243589" y="0"/>
-                </a:cubicBezTo>
-                <a:cubicBezTo>
-                  <a:pt x="4244074" y="9333"/>
-                  <a:pt x="4244867" y="19699"/>
-                  <a:pt x="4243589" y="27432"/>
-                </a:cubicBezTo>
-                <a:cubicBezTo>
-                  <a:pt x="4130424" y="7904"/>
-                  <a:pt x="3932803" y="51393"/>
-                  <a:pt x="3722234" y="27432"/>
-                </a:cubicBezTo>
-                <a:cubicBezTo>
-                  <a:pt x="3511665" y="3471"/>
-                  <a:pt x="3269903" y="55138"/>
-                  <a:pt x="3116007" y="27432"/>
-                </a:cubicBezTo>
-                <a:cubicBezTo>
-                  <a:pt x="2962111" y="-274"/>
-                  <a:pt x="2744280" y="32368"/>
-                  <a:pt x="2509780" y="27432"/>
-                </a:cubicBezTo>
-                <a:cubicBezTo>
-                  <a:pt x="2275280" y="22496"/>
-                  <a:pt x="2066059" y="52808"/>
-                  <a:pt x="1945989" y="27432"/>
-                </a:cubicBezTo>
-                <a:cubicBezTo>
-                  <a:pt x="1825919" y="2056"/>
-                  <a:pt x="1407329" y="21760"/>
-                  <a:pt x="1254890" y="27432"/>
-                </a:cubicBezTo>
-                <a:cubicBezTo>
-                  <a:pt x="1102451" y="33104"/>
-                  <a:pt x="837950" y="40817"/>
-                  <a:pt x="563791" y="27432"/>
-                </a:cubicBezTo>
-                <a:cubicBezTo>
-                  <a:pt x="289632" y="14047"/>
-                  <a:pt x="132768" y="16249"/>
-                  <a:pt x="0" y="27432"/>
-                </a:cubicBezTo>
-                <a:cubicBezTo>
-                  <a:pt x="211" y="18145"/>
-                  <a:pt x="120" y="6480"/>
-                  <a:pt x="0" y="0"/>
-                </a:cubicBezTo>
-                <a:close/>
-              </a:path>
-            </a:pathLst>
-          </a:custGeom>
-          <a:solidFill>
-            <a:schemeClr val="tx1"/>
-          </a:solidFill>
-          <a:ln w="38100" cap="rnd">
-            <a:solidFill>
-              <a:schemeClr val="tx1"/>
-            </a:solidFill>
-            <a:round/>
-            <a:extLst>
-              <a:ext uri="{C807C97D-BFC1-408E-A445-0C87EB9F89A2}">
-                <ask:lineSketchStyleProps xmlns:ask="http://schemas.microsoft.com/office/drawing/2018/sketchyshapes" sd="1219033472">
-                  <a:prstGeom prst="rect">
-                    <a:avLst/>
-                  </a:prstGeom>
-                  <ask:type>
-                    <ask:lineSketchFreehand/>
-                  </ask:type>
-                </ask:lineSketchStyleProps>
-              </a:ext>
-            </a:extLst>
-          </a:ln>
-        </p:spPr>
-        <p:style>
-          <a:lnRef idx="2">
-            <a:schemeClr val="accent1">
-              <a:shade val="50000"/>
-            </a:schemeClr>
-          </a:lnRef>
-          <a:fillRef idx="1">
-            <a:schemeClr val="accent1"/>
-          </a:fillRef>
-          <a:effectRef idx="0">
-            <a:schemeClr val="accent1"/>
-          </a:effectRef>
-          <a:fontRef idx="minor">
-            <a:schemeClr val="lt1"/>
-          </a:fontRef>
-        </p:style>
-        <p:txBody>
-          <a:bodyPr rtlCol="0" anchor="ctr"/>
-          <a:lstStyle/>
-          <a:p>
-            <a:pPr algn="ctr"/>
-            <a:endParaRPr lang="en-US"/>
-          </a:p>
-        </p:txBody>
-      </p:sp>
-      <p:sp>
-        <p:nvSpPr>
-          <p:cNvPr id="24" name="Rectangle 6">
-            <a:extLst>
-              <a:ext uri="{FF2B5EF4-FFF2-40B4-BE49-F238E27FC236}">
-                <a16:creationId xmlns:a16="http://schemas.microsoft.com/office/drawing/2014/main" id="{79EB4626-023C-436D-9F57-9EB46080909D}"/>
-              </a:ext>
-              <a:ext uri="{C183D7F6-B498-43B3-948B-1728B52AA6E4}">
-                <adec:decorative xmlns:adec="http://schemas.microsoft.com/office/drawing/2017/decorative" val="1"/>
-              </a:ext>
-            </a:extLst>
-          </p:cNvPr>
-          <p:cNvSpPr>
-            <a:spLocks noGrp="1" noRot="1" noChangeAspect="1" noMove="1" noResize="1" noEditPoints="1" noAdjustHandles="1" noChangeArrowheads="1" noChangeShapeType="1" noTextEdit="1"/>
-          </p:cNvSpPr>
-          <p:nvPr>
-            <p:extLst>
-              <p:ext uri="{386F3935-93C4-4BCD-93E2-E3B085C9AB24}">
-                <p16:designElem xmlns:p16="http://schemas.microsoft.com/office/powerpoint/2015/main" val="1"/>
-              </p:ext>
-            </p:extLst>
-          </p:nvPr>
-        </p:nvSpPr>
-        <p:spPr>
-          <a:xfrm flipV="1">
-            <a:off x="838200" y="720953"/>
-            <a:ext cx="10515600" cy="5416094"/>
-          </a:xfrm>
-          <a:custGeom>
-            <a:avLst/>
-            <a:gdLst>
-              <a:gd name="connsiteX0" fmla="*/ 0 w 10515600"/>
-              <a:gd name="connsiteY0" fmla="*/ 902700 h 5416094"/>
-              <a:gd name="connsiteX1" fmla="*/ 902700 w 10515600"/>
-              <a:gd name="connsiteY1" fmla="*/ 0 h 5416094"/>
-              <a:gd name="connsiteX2" fmla="*/ 1746919 w 10515600"/>
-              <a:gd name="connsiteY2" fmla="*/ 0 h 5416094"/>
-              <a:gd name="connsiteX3" fmla="*/ 2329833 w 10515600"/>
-              <a:gd name="connsiteY3" fmla="*/ 0 h 5416094"/>
-              <a:gd name="connsiteX4" fmla="*/ 2825644 w 10515600"/>
-              <a:gd name="connsiteY4" fmla="*/ 0 h 5416094"/>
-              <a:gd name="connsiteX5" fmla="*/ 3582762 w 10515600"/>
-              <a:gd name="connsiteY5" fmla="*/ 0 h 5416094"/>
-              <a:gd name="connsiteX6" fmla="*/ 4165675 w 10515600"/>
-              <a:gd name="connsiteY6" fmla="*/ 0 h 5416094"/>
-              <a:gd name="connsiteX7" fmla="*/ 5009894 w 10515600"/>
-              <a:gd name="connsiteY7" fmla="*/ 0 h 5416094"/>
-              <a:gd name="connsiteX8" fmla="*/ 5505706 w 10515600"/>
-              <a:gd name="connsiteY8" fmla="*/ 0 h 5416094"/>
-              <a:gd name="connsiteX9" fmla="*/ 6349925 w 10515600"/>
-              <a:gd name="connsiteY9" fmla="*/ 0 h 5416094"/>
-              <a:gd name="connsiteX10" fmla="*/ 6758634 w 10515600"/>
-              <a:gd name="connsiteY10" fmla="*/ 0 h 5416094"/>
-              <a:gd name="connsiteX11" fmla="*/ 7428650 w 10515600"/>
-              <a:gd name="connsiteY11" fmla="*/ 0 h 5416094"/>
-              <a:gd name="connsiteX12" fmla="*/ 8098665 w 10515600"/>
-              <a:gd name="connsiteY12" fmla="*/ 0 h 5416094"/>
-              <a:gd name="connsiteX13" fmla="*/ 8681579 w 10515600"/>
-              <a:gd name="connsiteY13" fmla="*/ 0 h 5416094"/>
-              <a:gd name="connsiteX14" fmla="*/ 9612900 w 10515600"/>
-              <a:gd name="connsiteY14" fmla="*/ 0 h 5416094"/>
-              <a:gd name="connsiteX15" fmla="*/ 10515600 w 10515600"/>
-              <a:gd name="connsiteY15" fmla="*/ 902700 h 5416094"/>
-              <a:gd name="connsiteX16" fmla="*/ 10515600 w 10515600"/>
-              <a:gd name="connsiteY16" fmla="*/ 1504482 h 5416094"/>
-              <a:gd name="connsiteX17" fmla="*/ 10515600 w 10515600"/>
-              <a:gd name="connsiteY17" fmla="*/ 2178479 h 5416094"/>
-              <a:gd name="connsiteX18" fmla="*/ 10515600 w 10515600"/>
-              <a:gd name="connsiteY18" fmla="*/ 2780261 h 5416094"/>
-              <a:gd name="connsiteX19" fmla="*/ 10515600 w 10515600"/>
-              <a:gd name="connsiteY19" fmla="*/ 3273722 h 5416094"/>
-              <a:gd name="connsiteX20" fmla="*/ 10515600 w 10515600"/>
-              <a:gd name="connsiteY20" fmla="*/ 3803291 h 5416094"/>
-              <a:gd name="connsiteX21" fmla="*/ 10515600 w 10515600"/>
-              <a:gd name="connsiteY21" fmla="*/ 4513394 h 5416094"/>
-              <a:gd name="connsiteX22" fmla="*/ 9612900 w 10515600"/>
-              <a:gd name="connsiteY22" fmla="*/ 5416094 h 5416094"/>
-              <a:gd name="connsiteX23" fmla="*/ 9117089 w 10515600"/>
-              <a:gd name="connsiteY23" fmla="*/ 5416094 h 5416094"/>
-              <a:gd name="connsiteX24" fmla="*/ 8708379 w 10515600"/>
-              <a:gd name="connsiteY24" fmla="*/ 5416094 h 5416094"/>
-              <a:gd name="connsiteX25" fmla="*/ 8299670 w 10515600"/>
-              <a:gd name="connsiteY25" fmla="*/ 5416094 h 5416094"/>
-              <a:gd name="connsiteX26" fmla="*/ 7629654 w 10515600"/>
-              <a:gd name="connsiteY26" fmla="*/ 5416094 h 5416094"/>
-              <a:gd name="connsiteX27" fmla="*/ 7133843 w 10515600"/>
-              <a:gd name="connsiteY27" fmla="*/ 5416094 h 5416094"/>
-              <a:gd name="connsiteX28" fmla="*/ 6376726 w 10515600"/>
-              <a:gd name="connsiteY28" fmla="*/ 5416094 h 5416094"/>
-              <a:gd name="connsiteX29" fmla="*/ 5880914 w 10515600"/>
-              <a:gd name="connsiteY29" fmla="*/ 5416094 h 5416094"/>
-              <a:gd name="connsiteX30" fmla="*/ 5123797 w 10515600"/>
-              <a:gd name="connsiteY30" fmla="*/ 5416094 h 5416094"/>
-              <a:gd name="connsiteX31" fmla="*/ 4715088 w 10515600"/>
-              <a:gd name="connsiteY31" fmla="*/ 5416094 h 5416094"/>
-              <a:gd name="connsiteX32" fmla="*/ 3957970 w 10515600"/>
-              <a:gd name="connsiteY32" fmla="*/ 5416094 h 5416094"/>
-              <a:gd name="connsiteX33" fmla="*/ 3462159 w 10515600"/>
-              <a:gd name="connsiteY33" fmla="*/ 5416094 h 5416094"/>
-              <a:gd name="connsiteX34" fmla="*/ 3053449 w 10515600"/>
-              <a:gd name="connsiteY34" fmla="*/ 5416094 h 5416094"/>
-              <a:gd name="connsiteX35" fmla="*/ 2557638 w 10515600"/>
-              <a:gd name="connsiteY35" fmla="*/ 5416094 h 5416094"/>
-              <a:gd name="connsiteX36" fmla="*/ 1800521 w 10515600"/>
-              <a:gd name="connsiteY36" fmla="*/ 5416094 h 5416094"/>
-              <a:gd name="connsiteX37" fmla="*/ 902700 w 10515600"/>
-              <a:gd name="connsiteY37" fmla="*/ 5416094 h 5416094"/>
-              <a:gd name="connsiteX38" fmla="*/ 0 w 10515600"/>
-              <a:gd name="connsiteY38" fmla="*/ 4513394 h 5416094"/>
-              <a:gd name="connsiteX39" fmla="*/ 0 w 10515600"/>
-              <a:gd name="connsiteY39" fmla="*/ 3911612 h 5416094"/>
-              <a:gd name="connsiteX40" fmla="*/ 0 w 10515600"/>
-              <a:gd name="connsiteY40" fmla="*/ 3309829 h 5416094"/>
-              <a:gd name="connsiteX41" fmla="*/ 0 w 10515600"/>
-              <a:gd name="connsiteY41" fmla="*/ 2780261 h 5416094"/>
-              <a:gd name="connsiteX42" fmla="*/ 0 w 10515600"/>
-              <a:gd name="connsiteY42" fmla="*/ 2106265 h 5416094"/>
-              <a:gd name="connsiteX43" fmla="*/ 0 w 10515600"/>
-              <a:gd name="connsiteY43" fmla="*/ 1504482 h 5416094"/>
-              <a:gd name="connsiteX44" fmla="*/ 0 w 10515600"/>
-              <a:gd name="connsiteY44" fmla="*/ 902700 h 5416094"/>
-            </a:gdLst>
-            <a:ahLst/>
-            <a:cxnLst>
-              <a:cxn ang="0">
-                <a:pos x="connsiteX0" y="connsiteY0"/>
-              </a:cxn>
-              <a:cxn ang="0">
-                <a:pos x="connsiteX1" y="connsiteY1"/>
-              </a:cxn>
-              <a:cxn ang="0">
-                <a:pos x="connsiteX2" y="connsiteY2"/>
-              </a:cxn>
-              <a:cxn ang="0">
-                <a:pos x="connsiteX3" y="connsiteY3"/>
-              </a:cxn>
-              <a:cxn ang="0">
-                <a:pos x="connsiteX4" y="connsiteY4"/>
-              </a:cxn>
-              <a:cxn ang="0">
-                <a:pos x="connsiteX5" y="connsiteY5"/>
-              </a:cxn>
-              <a:cxn ang="0">
-                <a:pos x="connsiteX6" y="connsiteY6"/>
-              </a:cxn>
-              <a:cxn ang="0">
-                <a:pos x="connsiteX7" y="connsiteY7"/>
-              </a:cxn>
-              <a:cxn ang="0">
-                <a:pos x="connsiteX8" y="connsiteY8"/>
-              </a:cxn>
-              <a:cxn ang="0">
-                <a:pos x="connsiteX9" y="connsiteY9"/>
-              </a:cxn>
-              <a:cxn ang="0">
-                <a:pos x="connsiteX10" y="connsiteY10"/>
-              </a:cxn>
-              <a:cxn ang="0">
-                <a:pos x="connsiteX11" y="connsiteY11"/>
-              </a:cxn>
-              <a:cxn ang="0">
-                <a:pos x="connsiteX12" y="connsiteY12"/>
-              </a:cxn>
-              <a:cxn ang="0">
-                <a:pos x="connsiteX13" y="connsiteY13"/>
-              </a:cxn>
-              <a:cxn ang="0">
-                <a:pos x="connsiteX14" y="connsiteY14"/>
-              </a:cxn>
-              <a:cxn ang="0">
-                <a:pos x="connsiteX15" y="connsiteY15"/>
-              </a:cxn>
-              <a:cxn ang="0">
-                <a:pos x="connsiteX16" y="connsiteY16"/>
-              </a:cxn>
-              <a:cxn ang="0">
-                <a:pos x="connsiteX17" y="connsiteY17"/>
-              </a:cxn>
-              <a:cxn ang="0">
-                <a:pos x="connsiteX18" y="connsiteY18"/>
-              </a:cxn>
-              <a:cxn ang="0">
-                <a:pos x="connsiteX19" y="connsiteY19"/>
-              </a:cxn>
-              <a:cxn ang="0">
-                <a:pos x="connsiteX20" y="connsiteY20"/>
-              </a:cxn>
-              <a:cxn ang="0">
-                <a:pos x="connsiteX21" y="connsiteY21"/>
-              </a:cxn>
-              <a:cxn ang="0">
-                <a:pos x="connsiteX22" y="connsiteY22"/>
-              </a:cxn>
-              <a:cxn ang="0">
-                <a:pos x="connsiteX23" y="connsiteY23"/>
-              </a:cxn>
-              <a:cxn ang="0">
-                <a:pos x="connsiteX24" y="connsiteY24"/>
-              </a:cxn>
-              <a:cxn ang="0">
-                <a:pos x="connsiteX25" y="connsiteY25"/>
-              </a:cxn>
-              <a:cxn ang="0">
-                <a:pos x="connsiteX26" y="connsiteY26"/>
-              </a:cxn>
-              <a:cxn ang="0">
-                <a:pos x="connsiteX27" y="connsiteY27"/>
-              </a:cxn>
-              <a:cxn ang="0">
-                <a:pos x="connsiteX28" y="connsiteY28"/>
-              </a:cxn>
-              <a:cxn ang="0">
-                <a:pos x="connsiteX29" y="connsiteY29"/>
-              </a:cxn>
-              <a:cxn ang="0">
-                <a:pos x="connsiteX30" y="connsiteY30"/>
-              </a:cxn>
-              <a:cxn ang="0">
-                <a:pos x="connsiteX31" y="connsiteY31"/>
-              </a:cxn>
-              <a:cxn ang="0">
-                <a:pos x="connsiteX32" y="connsiteY32"/>
-              </a:cxn>
-              <a:cxn ang="0">
-                <a:pos x="connsiteX33" y="connsiteY33"/>
-              </a:cxn>
-              <a:cxn ang="0">
-                <a:pos x="connsiteX34" y="connsiteY34"/>
-              </a:cxn>
-              <a:cxn ang="0">
-                <a:pos x="connsiteX35" y="connsiteY35"/>
-              </a:cxn>
-              <a:cxn ang="0">
-                <a:pos x="connsiteX36" y="connsiteY36"/>
-              </a:cxn>
-              <a:cxn ang="0">
-                <a:pos x="connsiteX37" y="connsiteY37"/>
-              </a:cxn>
-              <a:cxn ang="0">
-                <a:pos x="connsiteX38" y="connsiteY38"/>
-              </a:cxn>
-              <a:cxn ang="0">
-                <a:pos x="connsiteX39" y="connsiteY39"/>
-              </a:cxn>
-              <a:cxn ang="0">
-                <a:pos x="connsiteX40" y="connsiteY40"/>
-              </a:cxn>
-              <a:cxn ang="0">
-                <a:pos x="connsiteX41" y="connsiteY41"/>
-              </a:cxn>
-              <a:cxn ang="0">
-                <a:pos x="connsiteX42" y="connsiteY42"/>
-              </a:cxn>
-              <a:cxn ang="0">
-                <a:pos x="connsiteX43" y="connsiteY43"/>
-              </a:cxn>
-              <a:cxn ang="0">
-                <a:pos x="connsiteX44" y="connsiteY44"/>
-              </a:cxn>
-            </a:cxnLst>
-            <a:rect l="l" t="t" r="r" b="b"/>
-            <a:pathLst>
-              <a:path w="10515600" h="5416094" extrusionOk="0">
-                <a:moveTo>
-                  <a:pt x="0" y="902700"/>
-                </a:moveTo>
-                <a:cubicBezTo>
-                  <a:pt x="-57306" y="368805"/>
-                  <a:pt x="305054" y="37193"/>
-                  <a:pt x="902700" y="0"/>
-                </a:cubicBezTo>
-                <a:cubicBezTo>
-                  <a:pt x="1280419" y="-35006"/>
-                  <a:pt x="1407743" y="-35339"/>
-                  <a:pt x="1746919" y="0"/>
-                </a:cubicBezTo>
-                <a:cubicBezTo>
-                  <a:pt x="2086095" y="35339"/>
-                  <a:pt x="2146539" y="-12333"/>
-                  <a:pt x="2329833" y="0"/>
-                </a:cubicBezTo>
-                <a:cubicBezTo>
-                  <a:pt x="2513127" y="12333"/>
-                  <a:pt x="2706706" y="12952"/>
-                  <a:pt x="2825644" y="0"/>
-                </a:cubicBezTo>
-                <a:cubicBezTo>
-                  <a:pt x="2944582" y="-12952"/>
-                  <a:pt x="3420817" y="-27100"/>
-                  <a:pt x="3582762" y="0"/>
-                </a:cubicBezTo>
-                <a:cubicBezTo>
-                  <a:pt x="3744707" y="27100"/>
-                  <a:pt x="4023584" y="-9167"/>
-                  <a:pt x="4165675" y="0"/>
-                </a:cubicBezTo>
-                <a:cubicBezTo>
-                  <a:pt x="4307766" y="9167"/>
-                  <a:pt x="4770188" y="27031"/>
-                  <a:pt x="5009894" y="0"/>
-                </a:cubicBezTo>
-                <a:cubicBezTo>
-                  <a:pt x="5249600" y="-27031"/>
-                  <a:pt x="5349881" y="-194"/>
-                  <a:pt x="5505706" y="0"/>
-                </a:cubicBezTo>
-                <a:cubicBezTo>
-                  <a:pt x="5661531" y="194"/>
-                  <a:pt x="6129254" y="-29363"/>
-                  <a:pt x="6349925" y="0"/>
-                </a:cubicBezTo>
-                <a:cubicBezTo>
-                  <a:pt x="6570596" y="29363"/>
-                  <a:pt x="6581199" y="-14617"/>
-                  <a:pt x="6758634" y="0"/>
-                </a:cubicBezTo>
-                <a:cubicBezTo>
-                  <a:pt x="6936069" y="14617"/>
-                  <a:pt x="7246491" y="25675"/>
-                  <a:pt x="7428650" y="0"/>
-                </a:cubicBezTo>
-                <a:cubicBezTo>
-                  <a:pt x="7610809" y="-25675"/>
-                  <a:pt x="7825190" y="-17078"/>
-                  <a:pt x="8098665" y="0"/>
-                </a:cubicBezTo>
-                <a:cubicBezTo>
-                  <a:pt x="8372141" y="17078"/>
-                  <a:pt x="8559625" y="-21568"/>
-                  <a:pt x="8681579" y="0"/>
-                </a:cubicBezTo>
-                <a:cubicBezTo>
-                  <a:pt x="8803533" y="21568"/>
-                  <a:pt x="9307226" y="-46066"/>
-                  <a:pt x="9612900" y="0"/>
-                </a:cubicBezTo>
-                <a:cubicBezTo>
-                  <a:pt x="10119954" y="-10560"/>
-                  <a:pt x="10418674" y="366684"/>
-                  <a:pt x="10515600" y="902700"/>
-                </a:cubicBezTo>
-                <a:cubicBezTo>
-                  <a:pt x="10494548" y="1140809"/>
-                  <a:pt x="10524881" y="1252168"/>
-                  <a:pt x="10515600" y="1504482"/>
-                </a:cubicBezTo>
-                <a:cubicBezTo>
-                  <a:pt x="10506319" y="1756796"/>
-                  <a:pt x="10494309" y="1995078"/>
-                  <a:pt x="10515600" y="2178479"/>
-                </a:cubicBezTo>
-                <a:cubicBezTo>
-                  <a:pt x="10536891" y="2361880"/>
-                  <a:pt x="10522845" y="2487483"/>
-                  <a:pt x="10515600" y="2780261"/>
-                </a:cubicBezTo>
-                <a:cubicBezTo>
-                  <a:pt x="10508355" y="3073039"/>
-                  <a:pt x="10533694" y="3138252"/>
-                  <a:pt x="10515600" y="3273722"/>
-                </a:cubicBezTo>
-                <a:cubicBezTo>
-                  <a:pt x="10497506" y="3409192"/>
-                  <a:pt x="10514952" y="3569910"/>
-                  <a:pt x="10515600" y="3803291"/>
-                </a:cubicBezTo>
-                <a:cubicBezTo>
-                  <a:pt x="10516248" y="4036672"/>
-                  <a:pt x="10499126" y="4317688"/>
-                  <a:pt x="10515600" y="4513394"/>
-                </a:cubicBezTo>
-                <a:cubicBezTo>
-                  <a:pt x="10585499" y="4997151"/>
-                  <a:pt x="10115437" y="5453981"/>
-                  <a:pt x="9612900" y="5416094"/>
-                </a:cubicBezTo>
-                <a:cubicBezTo>
-                  <a:pt x="9473271" y="5418358"/>
-                  <a:pt x="9316384" y="5423764"/>
-                  <a:pt x="9117089" y="5416094"/>
-                </a:cubicBezTo>
-                <a:cubicBezTo>
-                  <a:pt x="8917794" y="5408424"/>
-                  <a:pt x="8902141" y="5433256"/>
-                  <a:pt x="8708379" y="5416094"/>
-                </a:cubicBezTo>
-                <a:cubicBezTo>
-                  <a:pt x="8514617" y="5398933"/>
-                  <a:pt x="8454700" y="5422387"/>
-                  <a:pt x="8299670" y="5416094"/>
-                </a:cubicBezTo>
-                <a:cubicBezTo>
-                  <a:pt x="8144640" y="5409801"/>
-                  <a:pt x="7907022" y="5398388"/>
-                  <a:pt x="7629654" y="5416094"/>
-                </a:cubicBezTo>
-                <a:cubicBezTo>
-                  <a:pt x="7352286" y="5433800"/>
-                  <a:pt x="7244777" y="5409877"/>
-                  <a:pt x="7133843" y="5416094"/>
-                </a:cubicBezTo>
-                <a:cubicBezTo>
-                  <a:pt x="7022909" y="5422311"/>
-                  <a:pt x="6748865" y="5379753"/>
-                  <a:pt x="6376726" y="5416094"/>
-                </a:cubicBezTo>
-                <a:cubicBezTo>
-                  <a:pt x="6004587" y="5452435"/>
-                  <a:pt x="5991442" y="5438860"/>
-                  <a:pt x="5880914" y="5416094"/>
-                </a:cubicBezTo>
-                <a:cubicBezTo>
-                  <a:pt x="5770386" y="5393328"/>
-                  <a:pt x="5294303" y="5440618"/>
-                  <a:pt x="5123797" y="5416094"/>
-                </a:cubicBezTo>
-                <a:cubicBezTo>
-                  <a:pt x="4953291" y="5391570"/>
-                  <a:pt x="4828705" y="5430421"/>
-                  <a:pt x="4715088" y="5416094"/>
-                </a:cubicBezTo>
-                <a:cubicBezTo>
-                  <a:pt x="4601471" y="5401767"/>
-                  <a:pt x="4227806" y="5381491"/>
-                  <a:pt x="3957970" y="5416094"/>
-                </a:cubicBezTo>
-                <a:cubicBezTo>
-                  <a:pt x="3688134" y="5450697"/>
-                  <a:pt x="3670638" y="5425309"/>
-                  <a:pt x="3462159" y="5416094"/>
-                </a:cubicBezTo>
-                <a:cubicBezTo>
-                  <a:pt x="3253680" y="5406879"/>
-                  <a:pt x="3167443" y="5432031"/>
-                  <a:pt x="3053449" y="5416094"/>
-                </a:cubicBezTo>
-                <a:cubicBezTo>
-                  <a:pt x="2939455" y="5400158"/>
-                  <a:pt x="2701485" y="5433995"/>
-                  <a:pt x="2557638" y="5416094"/>
-                </a:cubicBezTo>
-                <a:cubicBezTo>
-                  <a:pt x="2413791" y="5398193"/>
-                  <a:pt x="2168647" y="5424510"/>
-                  <a:pt x="1800521" y="5416094"/>
-                </a:cubicBezTo>
-                <a:cubicBezTo>
-                  <a:pt x="1432395" y="5407678"/>
-                  <a:pt x="1261364" y="5454497"/>
-                  <a:pt x="902700" y="5416094"/>
-                </a:cubicBezTo>
-                <a:cubicBezTo>
-                  <a:pt x="519468" y="5419760"/>
-                  <a:pt x="63003" y="5077223"/>
-                  <a:pt x="0" y="4513394"/>
-                </a:cubicBezTo>
-                <a:cubicBezTo>
-                  <a:pt x="-20265" y="4243495"/>
-                  <a:pt x="27650" y="4053844"/>
-                  <a:pt x="0" y="3911612"/>
-                </a:cubicBezTo>
-                <a:cubicBezTo>
-                  <a:pt x="-27650" y="3769380"/>
-                  <a:pt x="24988" y="3469350"/>
-                  <a:pt x="0" y="3309829"/>
-                </a:cubicBezTo>
-                <a:cubicBezTo>
-                  <a:pt x="-24988" y="3150308"/>
-                  <a:pt x="-16973" y="2933511"/>
-                  <a:pt x="0" y="2780261"/>
-                </a:cubicBezTo>
-                <a:cubicBezTo>
-                  <a:pt x="16973" y="2627011"/>
-                  <a:pt x="-11552" y="2315258"/>
-                  <a:pt x="0" y="2106265"/>
-                </a:cubicBezTo>
-                <a:cubicBezTo>
-                  <a:pt x="11552" y="1897272"/>
-                  <a:pt x="-9167" y="1726905"/>
-                  <a:pt x="0" y="1504482"/>
-                </a:cubicBezTo>
-                <a:cubicBezTo>
-                  <a:pt x="9167" y="1282059"/>
-                  <a:pt x="10972" y="1160784"/>
-                  <a:pt x="0" y="902700"/>
-                </a:cubicBezTo>
-                <a:close/>
-              </a:path>
-            </a:pathLst>
-          </a:custGeom>
-          <a:noFill/>
-          <a:ln w="60325" cap="rnd">
-            <a:solidFill>
-              <a:schemeClr val="tx1"/>
-            </a:solidFill>
-            <a:round/>
-            <a:extLst>
-              <a:ext uri="{C807C97D-BFC1-408E-A445-0C87EB9F89A2}">
-                <ask:lineSketchStyleProps xmlns:ask="http://schemas.microsoft.com/office/drawing/2018/sketchyshapes" sd="1219033472">
-                  <a:prstGeom prst="roundRect">
-                    <a:avLst/>
-                  </a:prstGeom>
-                  <ask:type>
-                    <ask:lineSketchFreehand/>
-                  </ask:type>
-                </ask:lineSketchStyleProps>
-              </a:ext>
-            </a:extLst>
-          </a:ln>
-        </p:spPr>
-        <p:style>
-          <a:lnRef idx="2">
-            <a:schemeClr val="accent1">
-              <a:shade val="50000"/>
-            </a:schemeClr>
-          </a:lnRef>
-          <a:fillRef idx="1">
-            <a:schemeClr val="accent1"/>
-          </a:fillRef>
-          <a:effectRef idx="0">
-            <a:schemeClr val="accent1"/>
-          </a:effectRef>
-          <a:fontRef idx="minor">
-            <a:schemeClr val="lt1"/>
-          </a:fontRef>
-        </p:style>
-        <p:txBody>
-          <a:bodyPr rtlCol="0" anchor="ctr"/>
-          <a:lstStyle/>
-          <a:p>
-            <a:pPr algn="ctr"/>
-            <a:endParaRPr lang="en-US"/>
-          </a:p>
-        </p:txBody>
-      </p:sp>
-    </p:spTree>
-    <p:extLst>
-      <p:ext uri="{BB962C8B-B14F-4D97-AF65-F5344CB8AC3E}">
-        <p14:creationId xmlns:p14="http://schemas.microsoft.com/office/powerpoint/2010/main" val="4029311362"/>
-      </p:ext>
-    </p:extLst>
-  </p:cSld>
-  <p:clrMapOvr>
-    <a:overrideClrMapping bg1="dk1" tx1="lt1" bg2="dk2" tx2="lt2" accent1="accent1" accent2="accent2" accent3="accent3" accent4="accent4" accent5="accent5" accent6="accent6" hlink="hlink" folHlink="folHlink"/>
-  </p:clrMapOvr>
-  <p:transition spd="slow">
-    <p:push dir="u"/>
-  </p:transition>
-</p:sld>
-</file>
-
 <file path=ppt/theme/theme1.xml><?xml version="1.0" encoding="utf-8"?>
 <a:theme xmlns:a="http://schemas.openxmlformats.org/drawingml/2006/main" name="SketchyVTI">
   <a:themeElements>
